--- a/prezentacija/prezentacija.pptx
+++ b/prezentacija/prezentacija.pptx
@@ -2,31 +2,32 @@
 <file path=ppt/presentation.xml><?xml version="1.0" encoding="utf-8"?>
 <p:presentation xmlns:a="http://schemas.openxmlformats.org/drawingml/2006/main" xmlns:r="http://schemas.openxmlformats.org/officeDocument/2006/relationships" xmlns:mc="http://schemas.openxmlformats.org/markup-compatibility/2006" xmlns:mv="urn:schemas-microsoft-com:mac:vml" xmlns:p="http://schemas.openxmlformats.org/presentationml/2006/main" xmlns:c="http://schemas.openxmlformats.org/drawingml/2006/chart" xmlns:dgm="http://schemas.openxmlformats.org/drawingml/2006/diagram" xmlns:o="urn:schemas-microsoft-com:office:office" xmlns:v="urn:schemas-microsoft-com:vml" xmlns:pvml="urn:schemas-microsoft-com:office:powerpoint" xmlns:com="http://schemas.openxmlformats.org/drawingml/2006/compatibility" xmlns:p14="http://schemas.microsoft.com/office/powerpoint/2010/main" xmlns:p15="http://schemas.microsoft.com/office/powerpoint/2012/main" autoCompressPictures="0" strictFirstAndLastChars="0" saveSubsetFonts="1">
   <p:sldMasterIdLst>
-    <p:sldMasterId id="2147483659" r:id="rId4"/>
+    <p:sldMasterId id="2147483659" r:id="rId5"/>
   </p:sldMasterIdLst>
   <p:notesMasterIdLst>
-    <p:notesMasterId r:id="rId5"/>
+    <p:notesMasterId r:id="rId6"/>
   </p:notesMasterIdLst>
   <p:sldIdLst>
-    <p:sldId id="256" r:id="rId6"/>
-    <p:sldId id="257" r:id="rId7"/>
-    <p:sldId id="258" r:id="rId8"/>
-    <p:sldId id="259" r:id="rId9"/>
-    <p:sldId id="260" r:id="rId10"/>
-    <p:sldId id="261" r:id="rId11"/>
-    <p:sldId id="262" r:id="rId12"/>
-    <p:sldId id="263" r:id="rId13"/>
-    <p:sldId id="264" r:id="rId14"/>
-    <p:sldId id="265" r:id="rId15"/>
-    <p:sldId id="266" r:id="rId16"/>
-    <p:sldId id="267" r:id="rId17"/>
-    <p:sldId id="268" r:id="rId18"/>
-    <p:sldId id="269" r:id="rId19"/>
-    <p:sldId id="270" r:id="rId20"/>
-    <p:sldId id="271" r:id="rId21"/>
-    <p:sldId id="272" r:id="rId22"/>
-    <p:sldId id="273" r:id="rId23"/>
-    <p:sldId id="274" r:id="rId24"/>
+    <p:sldId id="256" r:id="rId7"/>
+    <p:sldId id="257" r:id="rId8"/>
+    <p:sldId id="258" r:id="rId9"/>
+    <p:sldId id="259" r:id="rId10"/>
+    <p:sldId id="260" r:id="rId11"/>
+    <p:sldId id="261" r:id="rId12"/>
+    <p:sldId id="262" r:id="rId13"/>
+    <p:sldId id="263" r:id="rId14"/>
+    <p:sldId id="264" r:id="rId15"/>
+    <p:sldId id="265" r:id="rId16"/>
+    <p:sldId id="266" r:id="rId17"/>
+    <p:sldId id="267" r:id="rId18"/>
+    <p:sldId id="268" r:id="rId19"/>
+    <p:sldId id="269" r:id="rId20"/>
+    <p:sldId id="270" r:id="rId21"/>
+    <p:sldId id="271" r:id="rId22"/>
+    <p:sldId id="272" r:id="rId23"/>
+    <p:sldId id="273" r:id="rId24"/>
+    <p:sldId id="274" r:id="rId25"/>
+    <p:sldId id="275" r:id="rId26"/>
   </p:sldIdLst>
   <p:sldSz cy="5143500" cx="9144000"/>
   <p:notesSz cx="6858000" cy="9144000"/>
@@ -1515,7 +1516,7 @@
       </p:grpSpPr>
       <p:sp>
         <p:nvSpPr>
-          <p:cNvPr id="154" name="Google Shape;154;g6f1dcc0c94_0_95:notes"/>
+          <p:cNvPr id="154" name="Google Shape;154;g6f4040dd94_0_0:notes"/>
           <p:cNvSpPr/>
           <p:nvPr>
             <p:ph idx="2" type="sldImg"/>
@@ -1550,7 +1551,7 @@
       </p:sp>
       <p:sp>
         <p:nvSpPr>
-          <p:cNvPr id="155" name="Google Shape;155;g6f1dcc0c94_0_95:notes"/>
+          <p:cNvPr id="155" name="Google Shape;155;g6f4040dd94_0_0:notes"/>
           <p:cNvSpPr txBox="1"/>
           <p:nvPr>
             <p:ph idx="1" type="body"/>
@@ -1614,7 +1615,7 @@
       </p:grpSpPr>
       <p:sp>
         <p:nvSpPr>
-          <p:cNvPr id="160" name="Google Shape;160;g6f1dcc0c94_0_102:notes"/>
+          <p:cNvPr id="160" name="Google Shape;160;g6f1dcc0c94_0_95:notes"/>
           <p:cNvSpPr/>
           <p:nvPr>
             <p:ph idx="2" type="sldImg"/>
@@ -1649,7 +1650,7 @@
       </p:sp>
       <p:sp>
         <p:nvSpPr>
-          <p:cNvPr id="161" name="Google Shape;161;g6f1dcc0c94_0_102:notes"/>
+          <p:cNvPr id="161" name="Google Shape;161;g6f1dcc0c94_0_95:notes"/>
           <p:cNvSpPr txBox="1"/>
           <p:nvPr>
             <p:ph idx="1" type="body"/>
@@ -1699,7 +1700,7 @@
   <p:cSld>
     <p:spTree>
       <p:nvGrpSpPr>
-        <p:cNvPr id="164" name="Shape 164"/>
+        <p:cNvPr id="165" name="Shape 165"/>
         <p:cNvGrpSpPr/>
         <p:nvPr/>
       </p:nvGrpSpPr>
@@ -1713,7 +1714,7 @@
       </p:grpSpPr>
       <p:sp>
         <p:nvSpPr>
-          <p:cNvPr id="165" name="Google Shape;165;g6f1dcc0c94_0_107:notes"/>
+          <p:cNvPr id="166" name="Google Shape;166;g6f1dcc0c94_0_102:notes"/>
           <p:cNvSpPr/>
           <p:nvPr>
             <p:ph idx="2" type="sldImg"/>
@@ -1748,7 +1749,7 @@
       </p:sp>
       <p:sp>
         <p:nvSpPr>
-          <p:cNvPr id="166" name="Google Shape;166;g6f1dcc0c94_0_107:notes"/>
+          <p:cNvPr id="167" name="Google Shape;167;g6f1dcc0c94_0_102:notes"/>
           <p:cNvSpPr txBox="1"/>
           <p:nvPr>
             <p:ph idx="1" type="body"/>
@@ -1848,6 +1849,105 @@
       <p:sp>
         <p:nvSpPr>
           <p:cNvPr id="59" name="Google Shape;59;g6f1dcc0c94_0_1:notes"/>
+          <p:cNvSpPr txBox="1"/>
+          <p:nvPr>
+            <p:ph idx="1" type="body"/>
+          </p:nvPr>
+        </p:nvSpPr>
+        <p:spPr>
+          <a:xfrm>
+            <a:off x="685800" y="4343400"/>
+            <a:ext cx="5486400" cy="4114800"/>
+          </a:xfrm>
+          <a:prstGeom prst="rect">
+            <a:avLst/>
+          </a:prstGeom>
+        </p:spPr>
+        <p:txBody>
+          <a:bodyPr anchorCtr="0" anchor="t" bIns="91425" lIns="91425" spcFirstLastPara="1" rIns="91425" wrap="square" tIns="91425">
+            <a:noAutofit/>
+          </a:bodyPr>
+          <a:lstStyle/>
+          <a:p>
+            <a:pPr indent="0" lvl="0" marL="0" rtl="0" algn="l">
+              <a:spcBef>
+                <a:spcPts val="0"/>
+              </a:spcBef>
+              <a:spcAft>
+                <a:spcPts val="0"/>
+              </a:spcAft>
+              <a:buNone/>
+            </a:pPr>
+            <a:r>
+              <a:t/>
+            </a:r>
+            <a:endParaRPr/>
+          </a:p>
+        </p:txBody>
+      </p:sp>
+    </p:spTree>
+  </p:cSld>
+  <p:clrMapOvr>
+    <a:masterClrMapping/>
+  </p:clrMapOvr>
+</p:notes>
+</file>
+
+<file path=ppt/notesSlides/notesSlide20.xml><?xml version="1.0" encoding="utf-8"?>
+<p:notes xmlns:a="http://schemas.openxmlformats.org/drawingml/2006/main" xmlns:r="http://schemas.openxmlformats.org/officeDocument/2006/relationships" xmlns:mc="http://schemas.openxmlformats.org/markup-compatibility/2006" xmlns:mv="urn:schemas-microsoft-com:mac:vml" xmlns:p="http://schemas.openxmlformats.org/presentationml/2006/main" xmlns:c="http://schemas.openxmlformats.org/drawingml/2006/chart" xmlns:dgm="http://schemas.openxmlformats.org/drawingml/2006/diagram" xmlns:o="urn:schemas-microsoft-com:office:office" xmlns:v="urn:schemas-microsoft-com:vml" xmlns:pvml="urn:schemas-microsoft-com:office:powerpoint" xmlns:com="http://schemas.openxmlformats.org/drawingml/2006/compatibility" xmlns:p14="http://schemas.microsoft.com/office/powerpoint/2010/main" xmlns:p15="http://schemas.microsoft.com/office/powerpoint/2012/main" showMasterPhAnim="0" showMasterSp="0">
+  <p:cSld>
+    <p:spTree>
+      <p:nvGrpSpPr>
+        <p:cNvPr id="170" name="Shape 170"/>
+        <p:cNvGrpSpPr/>
+        <p:nvPr/>
+      </p:nvGrpSpPr>
+      <p:grpSpPr>
+        <a:xfrm>
+          <a:off x="0" y="0"/>
+          <a:ext cx="0" cy="0"/>
+          <a:chOff x="0" y="0"/>
+          <a:chExt cx="0" cy="0"/>
+        </a:xfrm>
+      </p:grpSpPr>
+      <p:sp>
+        <p:nvSpPr>
+          <p:cNvPr id="171" name="Google Shape;171;g6f1dcc0c94_0_107:notes"/>
+          <p:cNvSpPr/>
+          <p:nvPr>
+            <p:ph idx="2" type="sldImg"/>
+          </p:nvPr>
+        </p:nvSpPr>
+        <p:spPr>
+          <a:xfrm>
+            <a:off x="381300" y="685800"/>
+            <a:ext cx="6096000" cy="3429000"/>
+          </a:xfrm>
+          <a:custGeom>
+            <a:rect b="b" l="l" r="r" t="t"/>
+            <a:pathLst>
+              <a:path extrusionOk="0" h="120000" w="120000">
+                <a:moveTo>
+                  <a:pt x="0" y="0"/>
+                </a:moveTo>
+                <a:lnTo>
+                  <a:pt x="120000" y="0"/>
+                </a:lnTo>
+                <a:lnTo>
+                  <a:pt x="120000" y="120000"/>
+                </a:lnTo>
+                <a:lnTo>
+                  <a:pt x="0" y="120000"/>
+                </a:lnTo>
+                <a:close/>
+              </a:path>
+            </a:pathLst>
+          </a:custGeom>
+        </p:spPr>
+      </p:sp>
+      <p:sp>
+        <p:nvSpPr>
+          <p:cNvPr id="172" name="Google Shape;172;g6f1dcc0c94_0_107:notes"/>
           <p:cNvSpPr txBox="1"/>
           <p:nvPr>
             <p:ph idx="1" type="body"/>
@@ -7449,7 +7549,7 @@
             </a:pPr>
             <a:r>
               <a:rPr lang="hr"/>
-              <a:t>Implementacija - Okolina</a:t>
+              <a:t>Model okoline</a:t>
             </a:r>
             <a:endParaRPr/>
           </a:p>
@@ -8519,7 +8619,7 @@
         </p:nvSpPr>
         <p:spPr>
           <a:xfrm>
-            <a:off x="311700" y="445025"/>
+            <a:off x="311700" y="454600"/>
             <a:ext cx="8520600" cy="572700"/>
           </a:xfrm>
           <a:prstGeom prst="rect">
@@ -8543,140 +8643,3670 @@
             </a:pPr>
             <a:r>
               <a:rPr lang="hr"/>
-              <a:t>Zaključak</a:t>
+              <a:t>Rezultati</a:t>
             </a:r>
             <a:endParaRPr/>
           </a:p>
         </p:txBody>
       </p:sp>
-      <p:sp>
-        <p:nvSpPr>
+      <p:graphicFrame>
+        <p:nvGraphicFramePr>
           <p:cNvPr id="158" name="Google Shape;158;p29"/>
-          <p:cNvSpPr txBox="1"/>
-          <p:nvPr>
-            <p:ph idx="1" type="body"/>
-          </p:nvPr>
-        </p:nvSpPr>
-        <p:spPr>
-          <a:xfrm>
-            <a:off x="311700" y="1152475"/>
-            <a:ext cx="8520600" cy="3416400"/>
-          </a:xfrm>
-          <a:prstGeom prst="rect">
-            <a:avLst/>
-          </a:prstGeom>
-        </p:spPr>
-        <p:txBody>
-          <a:bodyPr anchorCtr="0" anchor="t" bIns="91425" lIns="91425" spcFirstLastPara="1" rIns="91425" wrap="square" tIns="91425">
-            <a:noAutofit/>
-          </a:bodyPr>
-          <a:lstStyle/>
-          <a:p>
-            <a:pPr indent="0" lvl="0" marL="0" rtl="0" algn="l">
-              <a:spcBef>
-                <a:spcPts val="0"/>
-              </a:spcBef>
-              <a:spcAft>
-                <a:spcPts val="0"/>
-              </a:spcAft>
-              <a:buNone/>
-            </a:pPr>
-            <a:r>
-              <a:rPr lang="hr"/>
-              <a:t>Prednosti</a:t>
-            </a:r>
-            <a:endParaRPr/>
-          </a:p>
-          <a:p>
-            <a:pPr indent="-342900" lvl="0" marL="457200" rtl="0" algn="l">
-              <a:spcBef>
-                <a:spcPts val="1600"/>
-              </a:spcBef>
-              <a:spcAft>
-                <a:spcPts val="0"/>
-              </a:spcAft>
-              <a:buSzPts val="1800"/>
-              <a:buChar char="-"/>
-            </a:pPr>
-            <a:r>
-              <a:rPr lang="hr"/>
-              <a:t>Tretiramo okolinu kao </a:t>
-            </a:r>
-            <a:r>
-              <a:rPr i="1" lang="hr"/>
-              <a:t>“Black Box”</a:t>
-            </a:r>
-            <a:endParaRPr/>
-          </a:p>
-          <a:p>
-            <a:pPr indent="-342900" lvl="0" marL="457200" rtl="0" algn="l">
-              <a:spcBef>
-                <a:spcPts val="0"/>
-              </a:spcBef>
-              <a:spcAft>
-                <a:spcPts val="0"/>
-              </a:spcAft>
-              <a:buSzPts val="1800"/>
-              <a:buChar char="-"/>
-            </a:pPr>
-            <a:r>
-              <a:rPr lang="hr"/>
-              <a:t>Pronalazi rješenja do kojih nije moguće doći analitički</a:t>
-            </a:r>
-            <a:endParaRPr/>
-          </a:p>
-          <a:p>
-            <a:pPr indent="0" lvl="0" marL="0" rtl="0" algn="l">
-              <a:spcBef>
-                <a:spcPts val="1600"/>
-              </a:spcBef>
-              <a:spcAft>
-                <a:spcPts val="0"/>
-              </a:spcAft>
-              <a:buNone/>
-            </a:pPr>
-            <a:r>
-              <a:rPr lang="hr"/>
-              <a:t>Nedostatci</a:t>
-            </a:r>
-            <a:endParaRPr/>
-          </a:p>
-          <a:p>
-            <a:pPr indent="-342900" lvl="0" marL="457200" rtl="0" algn="l">
-              <a:spcBef>
-                <a:spcPts val="1600"/>
-              </a:spcBef>
-              <a:spcAft>
-                <a:spcPts val="0"/>
-              </a:spcAft>
-              <a:buSzPts val="1800"/>
-              <a:buChar char="-"/>
-            </a:pPr>
-            <a:r>
-              <a:rPr lang="hr"/>
-              <a:t>Oblikovanje funkcije nagrade je teško</a:t>
-            </a:r>
-            <a:endParaRPr/>
-          </a:p>
-          <a:p>
-            <a:pPr indent="-342900" lvl="0" marL="457200" rtl="0" algn="l">
-              <a:spcBef>
-                <a:spcPts val="0"/>
-              </a:spcBef>
-              <a:spcAft>
-                <a:spcPts val="0"/>
-              </a:spcAft>
-              <a:buSzPts val="1800"/>
-              <a:buChar char="-"/>
-            </a:pPr>
-            <a:r>
-              <a:rPr lang="hr"/>
-              <a:t>Rubni slučajevi</a:t>
-            </a:r>
-            <a:endParaRPr/>
-          </a:p>
-        </p:txBody>
-      </p:sp>
+          <p:cNvGraphicFramePr/>
+          <p:nvPr/>
+        </p:nvGraphicFramePr>
+        <p:xfrm>
+          <a:off x="812213" y="1027300"/>
+          <a:ext cx="3000000" cy="3000000"/>
+        </p:xfrm>
+        <a:graphic>
+          <a:graphicData uri="http://schemas.openxmlformats.org/drawingml/2006/table">
+            <a:tbl>
+              <a:tblPr>
+                <a:noFill/>
+                <a:tableStyleId>{06AF8365-5FD2-4FDA-B9E1-167B6D739378}</a:tableStyleId>
+              </a:tblPr>
+              <a:tblGrid>
+                <a:gridCol w="1289975"/>
+                <a:gridCol w="1122175"/>
+                <a:gridCol w="1289975"/>
+                <a:gridCol w="1268975"/>
+                <a:gridCol w="1268975"/>
+                <a:gridCol w="1279500"/>
+              </a:tblGrid>
+              <a:tr h="346625">
+                <a:tc>
+                  <a:txBody>
+                    <a:bodyPr/>
+                    <a:lstStyle/>
+                    <a:p>
+                      <a:pPr indent="0" lvl="0" marL="0" rtl="0" algn="l">
+                        <a:lnSpc>
+                          <a:spcPct val="100000"/>
+                        </a:lnSpc>
+                        <a:spcBef>
+                          <a:spcPts val="0"/>
+                        </a:spcBef>
+                        <a:spcAft>
+                          <a:spcPts val="0"/>
+                        </a:spcAft>
+                        <a:buNone/>
+                      </a:pPr>
+                      <a:r>
+                        <a:rPr lang="hr" sz="1200"/>
+                        <a:t>Trenirano na:</a:t>
+                      </a:r>
+                      <a:endParaRPr sz="1200"/>
+                    </a:p>
+                  </a:txBody>
+                  <a:tcPr marT="91425" marB="91425" marR="68575" marL="68575">
+                    <a:lnL cap="flat" cmpd="sng" w="12650">
+                      <a:solidFill>
+                        <a:srgbClr val="000000"/>
+                      </a:solidFill>
+                      <a:prstDash val="solid"/>
+                      <a:round/>
+                      <a:headEnd len="sm" w="sm" type="none"/>
+                      <a:tailEnd len="sm" w="sm" type="none"/>
+                    </a:lnL>
+                    <a:lnR cap="flat" cmpd="sng" w="12650">
+                      <a:solidFill>
+                        <a:srgbClr val="000000"/>
+                      </a:solidFill>
+                      <a:prstDash val="solid"/>
+                      <a:round/>
+                      <a:headEnd len="sm" w="sm" type="none"/>
+                      <a:tailEnd len="sm" w="sm" type="none"/>
+                    </a:lnR>
+                    <a:lnT cap="flat" cmpd="sng" w="12650">
+                      <a:solidFill>
+                        <a:srgbClr val="000000"/>
+                      </a:solidFill>
+                      <a:prstDash val="solid"/>
+                      <a:round/>
+                      <a:headEnd len="sm" w="sm" type="none"/>
+                      <a:tailEnd len="sm" w="sm" type="none"/>
+                    </a:lnT>
+                    <a:lnB cap="flat" cmpd="sng" w="12650">
+                      <a:solidFill>
+                        <a:srgbClr val="000000"/>
+                      </a:solidFill>
+                      <a:prstDash val="solid"/>
+                      <a:round/>
+                      <a:headEnd len="sm" w="sm" type="none"/>
+                      <a:tailEnd len="sm" w="sm" type="none"/>
+                    </a:lnB>
+                    <a:solidFill>
+                      <a:srgbClr val="EDEDED"/>
+                    </a:solidFill>
+                  </a:tcPr>
+                </a:tc>
+                <a:tc>
+                  <a:txBody>
+                    <a:bodyPr/>
+                    <a:lstStyle/>
+                    <a:p>
+                      <a:pPr indent="0" lvl="0" marL="0" rtl="0" algn="ctr">
+                        <a:lnSpc>
+                          <a:spcPct val="100000"/>
+                        </a:lnSpc>
+                        <a:spcBef>
+                          <a:spcPts val="0"/>
+                        </a:spcBef>
+                        <a:spcAft>
+                          <a:spcPts val="0"/>
+                        </a:spcAft>
+                        <a:buNone/>
+                      </a:pPr>
+                      <a:r>
+                        <a:rPr lang="hr" sz="1200"/>
+                        <a:t>Broj ciljeva</a:t>
+                      </a:r>
+                      <a:endParaRPr sz="1200"/>
+                    </a:p>
+                  </a:txBody>
+                  <a:tcPr marT="91425" marB="91425" marR="68575" marL="68575">
+                    <a:lnL cap="flat" cmpd="sng" w="12650">
+                      <a:solidFill>
+                        <a:srgbClr val="000000"/>
+                      </a:solidFill>
+                      <a:prstDash val="solid"/>
+                      <a:round/>
+                      <a:headEnd len="sm" w="sm" type="none"/>
+                      <a:tailEnd len="sm" w="sm" type="none"/>
+                    </a:lnL>
+                    <a:lnR cap="flat" cmpd="sng" w="12650">
+                      <a:solidFill>
+                        <a:srgbClr val="000000"/>
+                      </a:solidFill>
+                      <a:prstDash val="solid"/>
+                      <a:round/>
+                      <a:headEnd len="sm" w="sm" type="none"/>
+                      <a:tailEnd len="sm" w="sm" type="none"/>
+                    </a:lnR>
+                    <a:lnT cap="flat" cmpd="sng" w="12650">
+                      <a:solidFill>
+                        <a:srgbClr val="000000"/>
+                      </a:solidFill>
+                      <a:prstDash val="solid"/>
+                      <a:round/>
+                      <a:headEnd len="sm" w="sm" type="none"/>
+                      <a:tailEnd len="sm" w="sm" type="none"/>
+                    </a:lnT>
+                    <a:lnB cap="flat" cmpd="sng" w="12650">
+                      <a:solidFill>
+                        <a:srgbClr val="000000"/>
+                      </a:solidFill>
+                      <a:prstDash val="solid"/>
+                      <a:round/>
+                      <a:headEnd len="sm" w="sm" type="none"/>
+                      <a:tailEnd len="sm" w="sm" type="none"/>
+                    </a:lnB>
+                    <a:solidFill>
+                      <a:srgbClr val="EDEDED"/>
+                    </a:solidFill>
+                  </a:tcPr>
+                </a:tc>
+                <a:tc>
+                  <a:txBody>
+                    <a:bodyPr/>
+                    <a:lstStyle/>
+                    <a:p>
+                      <a:pPr indent="0" lvl="0" marL="0" rtl="0" algn="ctr">
+                        <a:lnSpc>
+                          <a:spcPct val="100000"/>
+                        </a:lnSpc>
+                        <a:spcBef>
+                          <a:spcPts val="0"/>
+                        </a:spcBef>
+                        <a:spcAft>
+                          <a:spcPts val="0"/>
+                        </a:spcAft>
+                        <a:buNone/>
+                      </a:pPr>
+                      <a:r>
+                        <a:rPr lang="hr" sz="1200"/>
+                        <a:t>1 cilj</a:t>
+                      </a:r>
+                      <a:endParaRPr sz="1200"/>
+                    </a:p>
+                  </a:txBody>
+                  <a:tcPr marT="91425" marB="91425" marR="68575" marL="68575">
+                    <a:lnL cap="flat" cmpd="sng" w="12650">
+                      <a:solidFill>
+                        <a:srgbClr val="000000"/>
+                      </a:solidFill>
+                      <a:prstDash val="solid"/>
+                      <a:round/>
+                      <a:headEnd len="sm" w="sm" type="none"/>
+                      <a:tailEnd len="sm" w="sm" type="none"/>
+                    </a:lnL>
+                    <a:lnR cap="flat" cmpd="sng" w="12650">
+                      <a:solidFill>
+                        <a:srgbClr val="000000"/>
+                      </a:solidFill>
+                      <a:prstDash val="solid"/>
+                      <a:round/>
+                      <a:headEnd len="sm" w="sm" type="none"/>
+                      <a:tailEnd len="sm" w="sm" type="none"/>
+                    </a:lnR>
+                    <a:lnT cap="flat" cmpd="sng" w="12650">
+                      <a:solidFill>
+                        <a:srgbClr val="000000"/>
+                      </a:solidFill>
+                      <a:prstDash val="solid"/>
+                      <a:round/>
+                      <a:headEnd len="sm" w="sm" type="none"/>
+                      <a:tailEnd len="sm" w="sm" type="none"/>
+                    </a:lnT>
+                    <a:lnB cap="flat" cmpd="sng" w="12650">
+                      <a:solidFill>
+                        <a:srgbClr val="000000"/>
+                      </a:solidFill>
+                      <a:prstDash val="solid"/>
+                      <a:round/>
+                      <a:headEnd len="sm" w="sm" type="none"/>
+                      <a:tailEnd len="sm" w="sm" type="none"/>
+                    </a:lnB>
+                    <a:solidFill>
+                      <a:srgbClr val="EDEDED"/>
+                    </a:solidFill>
+                  </a:tcPr>
+                </a:tc>
+                <a:tc>
+                  <a:txBody>
+                    <a:bodyPr/>
+                    <a:lstStyle/>
+                    <a:p>
+                      <a:pPr indent="0" lvl="0" marL="0" rtl="0" algn="ctr">
+                        <a:lnSpc>
+                          <a:spcPct val="100000"/>
+                        </a:lnSpc>
+                        <a:spcBef>
+                          <a:spcPts val="0"/>
+                        </a:spcBef>
+                        <a:spcAft>
+                          <a:spcPts val="0"/>
+                        </a:spcAft>
+                        <a:buNone/>
+                      </a:pPr>
+                      <a:r>
+                        <a:rPr lang="hr" sz="1200"/>
+                        <a:t>2 cilja</a:t>
+                      </a:r>
+                      <a:endParaRPr sz="1200"/>
+                    </a:p>
+                  </a:txBody>
+                  <a:tcPr marT="91425" marB="91425" marR="68575" marL="68575">
+                    <a:lnL cap="flat" cmpd="sng" w="12650">
+                      <a:solidFill>
+                        <a:srgbClr val="000000"/>
+                      </a:solidFill>
+                      <a:prstDash val="solid"/>
+                      <a:round/>
+                      <a:headEnd len="sm" w="sm" type="none"/>
+                      <a:tailEnd len="sm" w="sm" type="none"/>
+                    </a:lnL>
+                    <a:lnR cap="flat" cmpd="sng" w="12650">
+                      <a:solidFill>
+                        <a:srgbClr val="000000"/>
+                      </a:solidFill>
+                      <a:prstDash val="solid"/>
+                      <a:round/>
+                      <a:headEnd len="sm" w="sm" type="none"/>
+                      <a:tailEnd len="sm" w="sm" type="none"/>
+                    </a:lnR>
+                    <a:lnT cap="flat" cmpd="sng" w="12650">
+                      <a:solidFill>
+                        <a:srgbClr val="000000"/>
+                      </a:solidFill>
+                      <a:prstDash val="solid"/>
+                      <a:round/>
+                      <a:headEnd len="sm" w="sm" type="none"/>
+                      <a:tailEnd len="sm" w="sm" type="none"/>
+                    </a:lnT>
+                    <a:lnB cap="flat" cmpd="sng" w="12650">
+                      <a:solidFill>
+                        <a:srgbClr val="000000"/>
+                      </a:solidFill>
+                      <a:prstDash val="solid"/>
+                      <a:round/>
+                      <a:headEnd len="sm" w="sm" type="none"/>
+                      <a:tailEnd len="sm" w="sm" type="none"/>
+                    </a:lnB>
+                    <a:solidFill>
+                      <a:srgbClr val="EDEDED"/>
+                    </a:solidFill>
+                  </a:tcPr>
+                </a:tc>
+                <a:tc>
+                  <a:txBody>
+                    <a:bodyPr/>
+                    <a:lstStyle/>
+                    <a:p>
+                      <a:pPr indent="0" lvl="0" marL="0" rtl="0" algn="ctr">
+                        <a:lnSpc>
+                          <a:spcPct val="100000"/>
+                        </a:lnSpc>
+                        <a:spcBef>
+                          <a:spcPts val="0"/>
+                        </a:spcBef>
+                        <a:spcAft>
+                          <a:spcPts val="0"/>
+                        </a:spcAft>
+                        <a:buNone/>
+                      </a:pPr>
+                      <a:r>
+                        <a:rPr lang="hr" sz="1200"/>
+                        <a:t>5 ciljeva</a:t>
+                      </a:r>
+                      <a:endParaRPr sz="1200"/>
+                    </a:p>
+                  </a:txBody>
+                  <a:tcPr marT="91425" marB="91425" marR="68575" marL="68575">
+                    <a:lnL cap="flat" cmpd="sng" w="12650">
+                      <a:solidFill>
+                        <a:srgbClr val="000000"/>
+                      </a:solidFill>
+                      <a:prstDash val="solid"/>
+                      <a:round/>
+                      <a:headEnd len="sm" w="sm" type="none"/>
+                      <a:tailEnd len="sm" w="sm" type="none"/>
+                    </a:lnL>
+                    <a:lnR cap="flat" cmpd="sng" w="12650">
+                      <a:solidFill>
+                        <a:srgbClr val="000000"/>
+                      </a:solidFill>
+                      <a:prstDash val="solid"/>
+                      <a:round/>
+                      <a:headEnd len="sm" w="sm" type="none"/>
+                      <a:tailEnd len="sm" w="sm" type="none"/>
+                    </a:lnR>
+                    <a:lnT cap="flat" cmpd="sng" w="12650">
+                      <a:solidFill>
+                        <a:srgbClr val="000000"/>
+                      </a:solidFill>
+                      <a:prstDash val="solid"/>
+                      <a:round/>
+                      <a:headEnd len="sm" w="sm" type="none"/>
+                      <a:tailEnd len="sm" w="sm" type="none"/>
+                    </a:lnT>
+                    <a:lnB cap="flat" cmpd="sng" w="12650">
+                      <a:solidFill>
+                        <a:srgbClr val="000000"/>
+                      </a:solidFill>
+                      <a:prstDash val="solid"/>
+                      <a:round/>
+                      <a:headEnd len="sm" w="sm" type="none"/>
+                      <a:tailEnd len="sm" w="sm" type="none"/>
+                    </a:lnB>
+                    <a:solidFill>
+                      <a:srgbClr val="EDEDED"/>
+                    </a:solidFill>
+                  </a:tcPr>
+                </a:tc>
+                <a:tc>
+                  <a:txBody>
+                    <a:bodyPr/>
+                    <a:lstStyle/>
+                    <a:p>
+                      <a:pPr indent="0" lvl="0" marL="0" rtl="0" algn="ctr">
+                        <a:lnSpc>
+                          <a:spcPct val="100000"/>
+                        </a:lnSpc>
+                        <a:spcBef>
+                          <a:spcPts val="0"/>
+                        </a:spcBef>
+                        <a:spcAft>
+                          <a:spcPts val="0"/>
+                        </a:spcAft>
+                        <a:buNone/>
+                      </a:pPr>
+                      <a:r>
+                        <a:rPr lang="hr" sz="1200"/>
+                        <a:t>10 ciljeva</a:t>
+                      </a:r>
+                      <a:endParaRPr sz="1200"/>
+                    </a:p>
+                  </a:txBody>
+                  <a:tcPr marT="91425" marB="91425" marR="68575" marL="68575">
+                    <a:lnL cap="flat" cmpd="sng" w="12650">
+                      <a:solidFill>
+                        <a:srgbClr val="000000"/>
+                      </a:solidFill>
+                      <a:prstDash val="solid"/>
+                      <a:round/>
+                      <a:headEnd len="sm" w="sm" type="none"/>
+                      <a:tailEnd len="sm" w="sm" type="none"/>
+                    </a:lnL>
+                    <a:lnR cap="flat" cmpd="sng" w="12650">
+                      <a:solidFill>
+                        <a:srgbClr val="000000"/>
+                      </a:solidFill>
+                      <a:prstDash val="solid"/>
+                      <a:round/>
+                      <a:headEnd len="sm" w="sm" type="none"/>
+                      <a:tailEnd len="sm" w="sm" type="none"/>
+                    </a:lnR>
+                    <a:lnT cap="flat" cmpd="sng" w="12650">
+                      <a:solidFill>
+                        <a:srgbClr val="000000"/>
+                      </a:solidFill>
+                      <a:prstDash val="solid"/>
+                      <a:round/>
+                      <a:headEnd len="sm" w="sm" type="none"/>
+                      <a:tailEnd len="sm" w="sm" type="none"/>
+                    </a:lnT>
+                    <a:lnB cap="flat" cmpd="sng" w="12650">
+                      <a:solidFill>
+                        <a:srgbClr val="000000"/>
+                      </a:solidFill>
+                      <a:prstDash val="solid"/>
+                      <a:round/>
+                      <a:headEnd len="sm" w="sm" type="none"/>
+                      <a:tailEnd len="sm" w="sm" type="none"/>
+                    </a:lnB>
+                    <a:solidFill>
+                      <a:srgbClr val="EDEDED"/>
+                    </a:solidFill>
+                  </a:tcPr>
+                </a:tc>
+              </a:tr>
+              <a:tr h="346625">
+                <a:tc rowSpan="3">
+                  <a:txBody>
+                    <a:bodyPr/>
+                    <a:lstStyle/>
+                    <a:p>
+                      <a:pPr indent="0" lvl="0" marL="0" rtl="0" algn="l">
+                        <a:lnSpc>
+                          <a:spcPct val="100000"/>
+                        </a:lnSpc>
+                        <a:spcBef>
+                          <a:spcPts val="0"/>
+                        </a:spcBef>
+                        <a:spcAft>
+                          <a:spcPts val="0"/>
+                        </a:spcAft>
+                        <a:buNone/>
+                      </a:pPr>
+                      <a:r>
+                        <a:rPr lang="hr" sz="1200"/>
+                        <a:t> </a:t>
+                      </a:r>
+                      <a:endParaRPr sz="1200"/>
+                    </a:p>
+                    <a:p>
+                      <a:pPr indent="0" lvl="0" marL="0" rtl="0" algn="l">
+                        <a:lnSpc>
+                          <a:spcPct val="100000"/>
+                        </a:lnSpc>
+                        <a:spcBef>
+                          <a:spcPts val="0"/>
+                        </a:spcBef>
+                        <a:spcAft>
+                          <a:spcPts val="0"/>
+                        </a:spcAft>
+                        <a:buNone/>
+                      </a:pPr>
+                      <a:r>
+                        <a:t/>
+                      </a:r>
+                      <a:endParaRPr sz="1200"/>
+                    </a:p>
+                    <a:p>
+                      <a:pPr indent="0" lvl="0" marL="0" rtl="0" algn="l">
+                        <a:lnSpc>
+                          <a:spcPct val="100000"/>
+                        </a:lnSpc>
+                        <a:spcBef>
+                          <a:spcPts val="0"/>
+                        </a:spcBef>
+                        <a:spcAft>
+                          <a:spcPts val="0"/>
+                        </a:spcAft>
+                        <a:buNone/>
+                      </a:pPr>
+                      <a:r>
+                        <a:rPr lang="hr" sz="1200"/>
+                        <a:t>5k iteracija</a:t>
+                      </a:r>
+                      <a:endParaRPr sz="1200"/>
+                    </a:p>
+                  </a:txBody>
+                  <a:tcPr marT="91425" marB="91425" marR="68575" marL="68575">
+                    <a:lnL cap="flat" cmpd="sng" w="12650">
+                      <a:solidFill>
+                        <a:srgbClr val="000000"/>
+                      </a:solidFill>
+                      <a:prstDash val="solid"/>
+                      <a:round/>
+                      <a:headEnd len="sm" w="sm" type="none"/>
+                      <a:tailEnd len="sm" w="sm" type="none"/>
+                    </a:lnL>
+                    <a:lnR cap="flat" cmpd="sng" w="12650">
+                      <a:solidFill>
+                        <a:srgbClr val="000000"/>
+                      </a:solidFill>
+                      <a:prstDash val="solid"/>
+                      <a:round/>
+                      <a:headEnd len="sm" w="sm" type="none"/>
+                      <a:tailEnd len="sm" w="sm" type="none"/>
+                    </a:lnR>
+                    <a:lnT cap="flat" cmpd="sng" w="12650">
+                      <a:solidFill>
+                        <a:srgbClr val="000000"/>
+                      </a:solidFill>
+                      <a:prstDash val="solid"/>
+                      <a:round/>
+                      <a:headEnd len="sm" w="sm" type="none"/>
+                      <a:tailEnd len="sm" w="sm" type="none"/>
+                    </a:lnT>
+                    <a:lnB cap="flat" cmpd="sng" w="12650">
+                      <a:solidFill>
+                        <a:srgbClr val="000000"/>
+                      </a:solidFill>
+                      <a:prstDash val="solid"/>
+                      <a:round/>
+                      <a:headEnd len="sm" w="sm" type="none"/>
+                      <a:tailEnd len="sm" w="sm" type="none"/>
+                    </a:lnB>
+                    <a:solidFill>
+                      <a:srgbClr val="EDEDED"/>
+                    </a:solidFill>
+                  </a:tcPr>
+                </a:tc>
+                <a:tc>
+                  <a:txBody>
+                    <a:bodyPr/>
+                    <a:lstStyle/>
+                    <a:p>
+                      <a:pPr indent="0" lvl="0" marL="0" rtl="0" algn="l">
+                        <a:lnSpc>
+                          <a:spcPct val="100000"/>
+                        </a:lnSpc>
+                        <a:spcBef>
+                          <a:spcPts val="0"/>
+                        </a:spcBef>
+                        <a:spcAft>
+                          <a:spcPts val="0"/>
+                        </a:spcAft>
+                        <a:buNone/>
+                      </a:pPr>
+                      <a:r>
+                        <a:rPr lang="hr" sz="1200"/>
+                        <a:t>uspjeh</a:t>
+                      </a:r>
+                      <a:endParaRPr sz="1200"/>
+                    </a:p>
+                  </a:txBody>
+                  <a:tcPr marT="91425" marB="91425" marR="68575" marL="68575">
+                    <a:lnL cap="flat" cmpd="sng" w="12650">
+                      <a:solidFill>
+                        <a:srgbClr val="000000"/>
+                      </a:solidFill>
+                      <a:prstDash val="solid"/>
+                      <a:round/>
+                      <a:headEnd len="sm" w="sm" type="none"/>
+                      <a:tailEnd len="sm" w="sm" type="none"/>
+                    </a:lnL>
+                    <a:lnR cap="flat" cmpd="sng" w="12650">
+                      <a:solidFill>
+                        <a:srgbClr val="000000"/>
+                      </a:solidFill>
+                      <a:prstDash val="solid"/>
+                      <a:round/>
+                      <a:headEnd len="sm" w="sm" type="none"/>
+                      <a:tailEnd len="sm" w="sm" type="none"/>
+                    </a:lnR>
+                    <a:lnT cap="flat" cmpd="sng" w="12650">
+                      <a:solidFill>
+                        <a:srgbClr val="000000"/>
+                      </a:solidFill>
+                      <a:prstDash val="solid"/>
+                      <a:round/>
+                      <a:headEnd len="sm" w="sm" type="none"/>
+                      <a:tailEnd len="sm" w="sm" type="none"/>
+                    </a:lnT>
+                    <a:lnB cap="flat" cmpd="sng" w="12650">
+                      <a:solidFill>
+                        <a:srgbClr val="000000"/>
+                      </a:solidFill>
+                      <a:prstDash val="solid"/>
+                      <a:round/>
+                      <a:headEnd len="sm" w="sm" type="none"/>
+                      <a:tailEnd len="sm" w="sm" type="none"/>
+                    </a:lnB>
+                    <a:solidFill>
+                      <a:srgbClr val="C9C9C9"/>
+                    </a:solidFill>
+                  </a:tcPr>
+                </a:tc>
+                <a:tc>
+                  <a:txBody>
+                    <a:bodyPr/>
+                    <a:lstStyle/>
+                    <a:p>
+                      <a:pPr indent="0" lvl="0" marL="0" rtl="0" algn="ctr">
+                        <a:lnSpc>
+                          <a:spcPct val="100000"/>
+                        </a:lnSpc>
+                        <a:spcBef>
+                          <a:spcPts val="0"/>
+                        </a:spcBef>
+                        <a:spcAft>
+                          <a:spcPts val="0"/>
+                        </a:spcAft>
+                        <a:buNone/>
+                      </a:pPr>
+                      <a:r>
+                        <a:rPr lang="hr" sz="1200"/>
+                        <a:t>100/100</a:t>
+                      </a:r>
+                      <a:endParaRPr sz="1200"/>
+                    </a:p>
+                  </a:txBody>
+                  <a:tcPr marT="91425" marB="91425" marR="68575" marL="68575">
+                    <a:lnL cap="flat" cmpd="sng" w="12650">
+                      <a:solidFill>
+                        <a:srgbClr val="000000"/>
+                      </a:solidFill>
+                      <a:prstDash val="solid"/>
+                      <a:round/>
+                      <a:headEnd len="sm" w="sm" type="none"/>
+                      <a:tailEnd len="sm" w="sm" type="none"/>
+                    </a:lnL>
+                    <a:lnR cap="flat" cmpd="sng" w="12650">
+                      <a:solidFill>
+                        <a:srgbClr val="000000"/>
+                      </a:solidFill>
+                      <a:prstDash val="solid"/>
+                      <a:round/>
+                      <a:headEnd len="sm" w="sm" type="none"/>
+                      <a:tailEnd len="sm" w="sm" type="none"/>
+                    </a:lnR>
+                    <a:lnT cap="flat" cmpd="sng" w="12650">
+                      <a:solidFill>
+                        <a:srgbClr val="000000"/>
+                      </a:solidFill>
+                      <a:prstDash val="solid"/>
+                      <a:round/>
+                      <a:headEnd len="sm" w="sm" type="none"/>
+                      <a:tailEnd len="sm" w="sm" type="none"/>
+                    </a:lnT>
+                    <a:lnB cap="flat" cmpd="sng" w="12650">
+                      <a:solidFill>
+                        <a:srgbClr val="000000"/>
+                      </a:solidFill>
+                      <a:prstDash val="solid"/>
+                      <a:round/>
+                      <a:headEnd len="sm" w="sm" type="none"/>
+                      <a:tailEnd len="sm" w="sm" type="none"/>
+                    </a:lnB>
+                    <a:solidFill>
+                      <a:srgbClr val="C9C9C9"/>
+                    </a:solidFill>
+                  </a:tcPr>
+                </a:tc>
+                <a:tc>
+                  <a:txBody>
+                    <a:bodyPr/>
+                    <a:lstStyle/>
+                    <a:p>
+                      <a:pPr indent="0" lvl="0" marL="0" rtl="0" algn="ctr">
+                        <a:lnSpc>
+                          <a:spcPct val="100000"/>
+                        </a:lnSpc>
+                        <a:spcBef>
+                          <a:spcPts val="0"/>
+                        </a:spcBef>
+                        <a:spcAft>
+                          <a:spcPts val="0"/>
+                        </a:spcAft>
+                        <a:buNone/>
+                      </a:pPr>
+                      <a:r>
+                        <a:rPr lang="hr" sz="1200"/>
+                        <a:t>37/100</a:t>
+                      </a:r>
+                      <a:endParaRPr sz="1200"/>
+                    </a:p>
+                  </a:txBody>
+                  <a:tcPr marT="91425" marB="91425" marR="68575" marL="68575">
+                    <a:lnL cap="flat" cmpd="sng" w="12650">
+                      <a:solidFill>
+                        <a:srgbClr val="000000"/>
+                      </a:solidFill>
+                      <a:prstDash val="solid"/>
+                      <a:round/>
+                      <a:headEnd len="sm" w="sm" type="none"/>
+                      <a:tailEnd len="sm" w="sm" type="none"/>
+                    </a:lnL>
+                    <a:lnR cap="flat" cmpd="sng" w="12650">
+                      <a:solidFill>
+                        <a:srgbClr val="000000"/>
+                      </a:solidFill>
+                      <a:prstDash val="solid"/>
+                      <a:round/>
+                      <a:headEnd len="sm" w="sm" type="none"/>
+                      <a:tailEnd len="sm" w="sm" type="none"/>
+                    </a:lnR>
+                    <a:lnT cap="flat" cmpd="sng" w="12650">
+                      <a:solidFill>
+                        <a:srgbClr val="000000"/>
+                      </a:solidFill>
+                      <a:prstDash val="solid"/>
+                      <a:round/>
+                      <a:headEnd len="sm" w="sm" type="none"/>
+                      <a:tailEnd len="sm" w="sm" type="none"/>
+                    </a:lnT>
+                    <a:lnB cap="flat" cmpd="sng" w="12650">
+                      <a:solidFill>
+                        <a:srgbClr val="000000"/>
+                      </a:solidFill>
+                      <a:prstDash val="solid"/>
+                      <a:round/>
+                      <a:headEnd len="sm" w="sm" type="none"/>
+                      <a:tailEnd len="sm" w="sm" type="none"/>
+                    </a:lnB>
+                    <a:solidFill>
+                      <a:srgbClr val="C9C9C9"/>
+                    </a:solidFill>
+                  </a:tcPr>
+                </a:tc>
+                <a:tc>
+                  <a:txBody>
+                    <a:bodyPr/>
+                    <a:lstStyle/>
+                    <a:p>
+                      <a:pPr indent="0" lvl="0" marL="0" rtl="0" algn="ctr">
+                        <a:lnSpc>
+                          <a:spcPct val="100000"/>
+                        </a:lnSpc>
+                        <a:spcBef>
+                          <a:spcPts val="0"/>
+                        </a:spcBef>
+                        <a:spcAft>
+                          <a:spcPts val="0"/>
+                        </a:spcAft>
+                        <a:buNone/>
+                      </a:pPr>
+                      <a:r>
+                        <a:rPr lang="hr" sz="1200"/>
+                        <a:t>0/100</a:t>
+                      </a:r>
+                      <a:endParaRPr sz="1200"/>
+                    </a:p>
+                  </a:txBody>
+                  <a:tcPr marT="91425" marB="91425" marR="68575" marL="68575">
+                    <a:lnL cap="flat" cmpd="sng" w="12650">
+                      <a:solidFill>
+                        <a:srgbClr val="000000"/>
+                      </a:solidFill>
+                      <a:prstDash val="solid"/>
+                      <a:round/>
+                      <a:headEnd len="sm" w="sm" type="none"/>
+                      <a:tailEnd len="sm" w="sm" type="none"/>
+                    </a:lnL>
+                    <a:lnR cap="flat" cmpd="sng" w="12650">
+                      <a:solidFill>
+                        <a:srgbClr val="000000"/>
+                      </a:solidFill>
+                      <a:prstDash val="solid"/>
+                      <a:round/>
+                      <a:headEnd len="sm" w="sm" type="none"/>
+                      <a:tailEnd len="sm" w="sm" type="none"/>
+                    </a:lnR>
+                    <a:lnT cap="flat" cmpd="sng" w="12650">
+                      <a:solidFill>
+                        <a:srgbClr val="000000"/>
+                      </a:solidFill>
+                      <a:prstDash val="solid"/>
+                      <a:round/>
+                      <a:headEnd len="sm" w="sm" type="none"/>
+                      <a:tailEnd len="sm" w="sm" type="none"/>
+                    </a:lnT>
+                    <a:lnB cap="flat" cmpd="sng" w="12650">
+                      <a:solidFill>
+                        <a:srgbClr val="000000"/>
+                      </a:solidFill>
+                      <a:prstDash val="solid"/>
+                      <a:round/>
+                      <a:headEnd len="sm" w="sm" type="none"/>
+                      <a:tailEnd len="sm" w="sm" type="none"/>
+                    </a:lnB>
+                    <a:solidFill>
+                      <a:srgbClr val="C9C9C9"/>
+                    </a:solidFill>
+                  </a:tcPr>
+                </a:tc>
+                <a:tc>
+                  <a:txBody>
+                    <a:bodyPr/>
+                    <a:lstStyle/>
+                    <a:p>
+                      <a:pPr indent="0" lvl="0" marL="0" rtl="0" algn="ctr">
+                        <a:lnSpc>
+                          <a:spcPct val="100000"/>
+                        </a:lnSpc>
+                        <a:spcBef>
+                          <a:spcPts val="0"/>
+                        </a:spcBef>
+                        <a:spcAft>
+                          <a:spcPts val="0"/>
+                        </a:spcAft>
+                        <a:buNone/>
+                      </a:pPr>
+                      <a:r>
+                        <a:rPr lang="hr" sz="1200"/>
+                        <a:t>0/100</a:t>
+                      </a:r>
+                      <a:endParaRPr sz="1200"/>
+                    </a:p>
+                  </a:txBody>
+                  <a:tcPr marT="91425" marB="91425" marR="68575" marL="68575">
+                    <a:lnL cap="flat" cmpd="sng" w="12650">
+                      <a:solidFill>
+                        <a:srgbClr val="000000"/>
+                      </a:solidFill>
+                      <a:prstDash val="solid"/>
+                      <a:round/>
+                      <a:headEnd len="sm" w="sm" type="none"/>
+                      <a:tailEnd len="sm" w="sm" type="none"/>
+                    </a:lnL>
+                    <a:lnR cap="flat" cmpd="sng" w="12650">
+                      <a:solidFill>
+                        <a:srgbClr val="000000"/>
+                      </a:solidFill>
+                      <a:prstDash val="solid"/>
+                      <a:round/>
+                      <a:headEnd len="sm" w="sm" type="none"/>
+                      <a:tailEnd len="sm" w="sm" type="none"/>
+                    </a:lnR>
+                    <a:lnT cap="flat" cmpd="sng" w="12650">
+                      <a:solidFill>
+                        <a:srgbClr val="000000"/>
+                      </a:solidFill>
+                      <a:prstDash val="solid"/>
+                      <a:round/>
+                      <a:headEnd len="sm" w="sm" type="none"/>
+                      <a:tailEnd len="sm" w="sm" type="none"/>
+                    </a:lnT>
+                    <a:lnB cap="flat" cmpd="sng" w="12650">
+                      <a:solidFill>
+                        <a:srgbClr val="000000"/>
+                      </a:solidFill>
+                      <a:prstDash val="solid"/>
+                      <a:round/>
+                      <a:headEnd len="sm" w="sm" type="none"/>
+                      <a:tailEnd len="sm" w="sm" type="none"/>
+                    </a:lnB>
+                    <a:solidFill>
+                      <a:srgbClr val="C9C9C9"/>
+                    </a:solidFill>
+                  </a:tcPr>
+                </a:tc>
+              </a:tr>
+              <a:tr h="346625">
+                <a:tc vMerge="1"/>
+                <a:tc>
+                  <a:txBody>
+                    <a:bodyPr/>
+                    <a:lstStyle/>
+                    <a:p>
+                      <a:pPr indent="0" lvl="0" marL="0" rtl="0" algn="l">
+                        <a:lnSpc>
+                          <a:spcPct val="100000"/>
+                        </a:lnSpc>
+                        <a:spcBef>
+                          <a:spcPts val="0"/>
+                        </a:spcBef>
+                        <a:spcAft>
+                          <a:spcPts val="0"/>
+                        </a:spcAft>
+                        <a:buNone/>
+                      </a:pPr>
+                      <a:r>
+                        <a:rPr lang="hr" sz="1200"/>
+                        <a:t>pr. vrijeme</a:t>
+                      </a:r>
+                      <a:endParaRPr sz="1200"/>
+                    </a:p>
+                  </a:txBody>
+                  <a:tcPr marT="91425" marB="91425" marR="68575" marL="68575">
+                    <a:lnL cap="flat" cmpd="sng" w="12650">
+                      <a:solidFill>
+                        <a:srgbClr val="000000"/>
+                      </a:solidFill>
+                      <a:prstDash val="solid"/>
+                      <a:round/>
+                      <a:headEnd len="sm" w="sm" type="none"/>
+                      <a:tailEnd len="sm" w="sm" type="none"/>
+                    </a:lnL>
+                    <a:lnR cap="flat" cmpd="sng" w="12650">
+                      <a:solidFill>
+                        <a:srgbClr val="000000"/>
+                      </a:solidFill>
+                      <a:prstDash val="solid"/>
+                      <a:round/>
+                      <a:headEnd len="sm" w="sm" type="none"/>
+                      <a:tailEnd len="sm" w="sm" type="none"/>
+                    </a:lnR>
+                    <a:lnT cap="flat" cmpd="sng" w="12650">
+                      <a:solidFill>
+                        <a:srgbClr val="000000"/>
+                      </a:solidFill>
+                      <a:prstDash val="solid"/>
+                      <a:round/>
+                      <a:headEnd len="sm" w="sm" type="none"/>
+                      <a:tailEnd len="sm" w="sm" type="none"/>
+                    </a:lnT>
+                    <a:lnB cap="flat" cmpd="sng" w="12650">
+                      <a:solidFill>
+                        <a:srgbClr val="000000"/>
+                      </a:solidFill>
+                      <a:prstDash val="solid"/>
+                      <a:round/>
+                      <a:headEnd len="sm" w="sm" type="none"/>
+                      <a:tailEnd len="sm" w="sm" type="none"/>
+                    </a:lnB>
+                    <a:solidFill>
+                      <a:srgbClr val="EDEDED"/>
+                    </a:solidFill>
+                  </a:tcPr>
+                </a:tc>
+                <a:tc>
+                  <a:txBody>
+                    <a:bodyPr/>
+                    <a:lstStyle/>
+                    <a:p>
+                      <a:pPr indent="0" lvl="0" marL="0" rtl="0" algn="ctr">
+                        <a:lnSpc>
+                          <a:spcPct val="100000"/>
+                        </a:lnSpc>
+                        <a:spcBef>
+                          <a:spcPts val="0"/>
+                        </a:spcBef>
+                        <a:spcAft>
+                          <a:spcPts val="0"/>
+                        </a:spcAft>
+                        <a:buNone/>
+                      </a:pPr>
+                      <a:r>
+                        <a:rPr lang="hr" sz="1200"/>
+                        <a:t>3.39s</a:t>
+                      </a:r>
+                      <a:endParaRPr sz="1200"/>
+                    </a:p>
+                  </a:txBody>
+                  <a:tcPr marT="91425" marB="91425" marR="68575" marL="68575">
+                    <a:lnL cap="flat" cmpd="sng" w="12650">
+                      <a:solidFill>
+                        <a:srgbClr val="000000"/>
+                      </a:solidFill>
+                      <a:prstDash val="solid"/>
+                      <a:round/>
+                      <a:headEnd len="sm" w="sm" type="none"/>
+                      <a:tailEnd len="sm" w="sm" type="none"/>
+                    </a:lnL>
+                    <a:lnR cap="flat" cmpd="sng" w="12650">
+                      <a:solidFill>
+                        <a:srgbClr val="000000"/>
+                      </a:solidFill>
+                      <a:prstDash val="solid"/>
+                      <a:round/>
+                      <a:headEnd len="sm" w="sm" type="none"/>
+                      <a:tailEnd len="sm" w="sm" type="none"/>
+                    </a:lnR>
+                    <a:lnT cap="flat" cmpd="sng" w="12650">
+                      <a:solidFill>
+                        <a:srgbClr val="000000"/>
+                      </a:solidFill>
+                      <a:prstDash val="solid"/>
+                      <a:round/>
+                      <a:headEnd len="sm" w="sm" type="none"/>
+                      <a:tailEnd len="sm" w="sm" type="none"/>
+                    </a:lnT>
+                    <a:lnB cap="flat" cmpd="sng" w="12650">
+                      <a:solidFill>
+                        <a:srgbClr val="000000"/>
+                      </a:solidFill>
+                      <a:prstDash val="solid"/>
+                      <a:round/>
+                      <a:headEnd len="sm" w="sm" type="none"/>
+                      <a:tailEnd len="sm" w="sm" type="none"/>
+                    </a:lnB>
+                  </a:tcPr>
+                </a:tc>
+                <a:tc>
+                  <a:txBody>
+                    <a:bodyPr/>
+                    <a:lstStyle/>
+                    <a:p>
+                      <a:pPr indent="0" lvl="0" marL="0" rtl="0" algn="ctr">
+                        <a:lnSpc>
+                          <a:spcPct val="100000"/>
+                        </a:lnSpc>
+                        <a:spcBef>
+                          <a:spcPts val="0"/>
+                        </a:spcBef>
+                        <a:spcAft>
+                          <a:spcPts val="0"/>
+                        </a:spcAft>
+                        <a:buNone/>
+                      </a:pPr>
+                      <a:r>
+                        <a:rPr lang="hr" sz="1200"/>
+                        <a:t>4.66s</a:t>
+                      </a:r>
+                      <a:endParaRPr sz="1200"/>
+                    </a:p>
+                  </a:txBody>
+                  <a:tcPr marT="91425" marB="91425" marR="68575" marL="68575">
+                    <a:lnL cap="flat" cmpd="sng" w="12650">
+                      <a:solidFill>
+                        <a:srgbClr val="000000"/>
+                      </a:solidFill>
+                      <a:prstDash val="solid"/>
+                      <a:round/>
+                      <a:headEnd len="sm" w="sm" type="none"/>
+                      <a:tailEnd len="sm" w="sm" type="none"/>
+                    </a:lnL>
+                    <a:lnR cap="flat" cmpd="sng" w="12650">
+                      <a:solidFill>
+                        <a:srgbClr val="000000"/>
+                      </a:solidFill>
+                      <a:prstDash val="solid"/>
+                      <a:round/>
+                      <a:headEnd len="sm" w="sm" type="none"/>
+                      <a:tailEnd len="sm" w="sm" type="none"/>
+                    </a:lnR>
+                    <a:lnT cap="flat" cmpd="sng" w="12650">
+                      <a:solidFill>
+                        <a:srgbClr val="000000"/>
+                      </a:solidFill>
+                      <a:prstDash val="solid"/>
+                      <a:round/>
+                      <a:headEnd len="sm" w="sm" type="none"/>
+                      <a:tailEnd len="sm" w="sm" type="none"/>
+                    </a:lnT>
+                    <a:lnB cap="flat" cmpd="sng" w="12650">
+                      <a:solidFill>
+                        <a:srgbClr val="000000"/>
+                      </a:solidFill>
+                      <a:prstDash val="solid"/>
+                      <a:round/>
+                      <a:headEnd len="sm" w="sm" type="none"/>
+                      <a:tailEnd len="sm" w="sm" type="none"/>
+                    </a:lnB>
+                  </a:tcPr>
+                </a:tc>
+                <a:tc>
+                  <a:txBody>
+                    <a:bodyPr/>
+                    <a:lstStyle/>
+                    <a:p>
+                      <a:pPr indent="0" lvl="0" marL="0" rtl="0" algn="ctr">
+                        <a:lnSpc>
+                          <a:spcPct val="100000"/>
+                        </a:lnSpc>
+                        <a:spcBef>
+                          <a:spcPts val="0"/>
+                        </a:spcBef>
+                        <a:spcAft>
+                          <a:spcPts val="0"/>
+                        </a:spcAft>
+                        <a:buNone/>
+                      </a:pPr>
+                      <a:r>
+                        <a:rPr lang="hr" sz="1200"/>
+                        <a:t>N/A</a:t>
+                      </a:r>
+                      <a:endParaRPr sz="1200"/>
+                    </a:p>
+                  </a:txBody>
+                  <a:tcPr marT="91425" marB="91425" marR="68575" marL="68575">
+                    <a:lnL cap="flat" cmpd="sng" w="12650">
+                      <a:solidFill>
+                        <a:srgbClr val="000000"/>
+                      </a:solidFill>
+                      <a:prstDash val="solid"/>
+                      <a:round/>
+                      <a:headEnd len="sm" w="sm" type="none"/>
+                      <a:tailEnd len="sm" w="sm" type="none"/>
+                    </a:lnL>
+                    <a:lnR cap="flat" cmpd="sng" w="12650">
+                      <a:solidFill>
+                        <a:srgbClr val="000000"/>
+                      </a:solidFill>
+                      <a:prstDash val="solid"/>
+                      <a:round/>
+                      <a:headEnd len="sm" w="sm" type="none"/>
+                      <a:tailEnd len="sm" w="sm" type="none"/>
+                    </a:lnR>
+                    <a:lnT cap="flat" cmpd="sng" w="12650">
+                      <a:solidFill>
+                        <a:srgbClr val="000000"/>
+                      </a:solidFill>
+                      <a:prstDash val="solid"/>
+                      <a:round/>
+                      <a:headEnd len="sm" w="sm" type="none"/>
+                      <a:tailEnd len="sm" w="sm" type="none"/>
+                    </a:lnT>
+                    <a:lnB cap="flat" cmpd="sng" w="12650">
+                      <a:solidFill>
+                        <a:srgbClr val="000000"/>
+                      </a:solidFill>
+                      <a:prstDash val="solid"/>
+                      <a:round/>
+                      <a:headEnd len="sm" w="sm" type="none"/>
+                      <a:tailEnd len="sm" w="sm" type="none"/>
+                    </a:lnB>
+                  </a:tcPr>
+                </a:tc>
+                <a:tc>
+                  <a:txBody>
+                    <a:bodyPr/>
+                    <a:lstStyle/>
+                    <a:p>
+                      <a:pPr indent="0" lvl="0" marL="0" rtl="0" algn="ctr">
+                        <a:lnSpc>
+                          <a:spcPct val="100000"/>
+                        </a:lnSpc>
+                        <a:spcBef>
+                          <a:spcPts val="0"/>
+                        </a:spcBef>
+                        <a:spcAft>
+                          <a:spcPts val="0"/>
+                        </a:spcAft>
+                        <a:buNone/>
+                      </a:pPr>
+                      <a:r>
+                        <a:rPr lang="hr" sz="1200"/>
+                        <a:t>N/A</a:t>
+                      </a:r>
+                      <a:endParaRPr sz="1200"/>
+                    </a:p>
+                  </a:txBody>
+                  <a:tcPr marT="91425" marB="91425" marR="68575" marL="68575">
+                    <a:lnL cap="flat" cmpd="sng" w="12650">
+                      <a:solidFill>
+                        <a:srgbClr val="000000"/>
+                      </a:solidFill>
+                      <a:prstDash val="solid"/>
+                      <a:round/>
+                      <a:headEnd len="sm" w="sm" type="none"/>
+                      <a:tailEnd len="sm" w="sm" type="none"/>
+                    </a:lnL>
+                    <a:lnR cap="flat" cmpd="sng" w="12650">
+                      <a:solidFill>
+                        <a:srgbClr val="000000"/>
+                      </a:solidFill>
+                      <a:prstDash val="solid"/>
+                      <a:round/>
+                      <a:headEnd len="sm" w="sm" type="none"/>
+                      <a:tailEnd len="sm" w="sm" type="none"/>
+                    </a:lnR>
+                    <a:lnT cap="flat" cmpd="sng" w="12650">
+                      <a:solidFill>
+                        <a:srgbClr val="000000"/>
+                      </a:solidFill>
+                      <a:prstDash val="solid"/>
+                      <a:round/>
+                      <a:headEnd len="sm" w="sm" type="none"/>
+                      <a:tailEnd len="sm" w="sm" type="none"/>
+                    </a:lnT>
+                    <a:lnB cap="flat" cmpd="sng" w="12650">
+                      <a:solidFill>
+                        <a:srgbClr val="000000"/>
+                      </a:solidFill>
+                      <a:prstDash val="solid"/>
+                      <a:round/>
+                      <a:headEnd len="sm" w="sm" type="none"/>
+                      <a:tailEnd len="sm" w="sm" type="none"/>
+                    </a:lnB>
+                  </a:tcPr>
+                </a:tc>
+              </a:tr>
+              <a:tr h="346625">
+                <a:tc vMerge="1"/>
+                <a:tc>
+                  <a:txBody>
+                    <a:bodyPr/>
+                    <a:lstStyle/>
+                    <a:p>
+                      <a:pPr indent="0" lvl="0" marL="0" rtl="0" algn="l">
+                        <a:lnSpc>
+                          <a:spcPct val="100000"/>
+                        </a:lnSpc>
+                        <a:spcBef>
+                          <a:spcPts val="0"/>
+                        </a:spcBef>
+                        <a:spcAft>
+                          <a:spcPts val="0"/>
+                        </a:spcAft>
+                        <a:buNone/>
+                      </a:pPr>
+                      <a:r>
+                        <a:rPr lang="hr" sz="1200"/>
+                        <a:t>st. dev.</a:t>
+                      </a:r>
+                      <a:endParaRPr sz="1200"/>
+                    </a:p>
+                  </a:txBody>
+                  <a:tcPr marT="91425" marB="91425" marR="68575" marL="68575">
+                    <a:lnL cap="flat" cmpd="sng" w="12650">
+                      <a:solidFill>
+                        <a:srgbClr val="000000"/>
+                      </a:solidFill>
+                      <a:prstDash val="solid"/>
+                      <a:round/>
+                      <a:headEnd len="sm" w="sm" type="none"/>
+                      <a:tailEnd len="sm" w="sm" type="none"/>
+                    </a:lnL>
+                    <a:lnR cap="flat" cmpd="sng" w="12650">
+                      <a:solidFill>
+                        <a:srgbClr val="000000"/>
+                      </a:solidFill>
+                      <a:prstDash val="solid"/>
+                      <a:round/>
+                      <a:headEnd len="sm" w="sm" type="none"/>
+                      <a:tailEnd len="sm" w="sm" type="none"/>
+                    </a:lnR>
+                    <a:lnT cap="flat" cmpd="sng" w="12650">
+                      <a:solidFill>
+                        <a:srgbClr val="000000"/>
+                      </a:solidFill>
+                      <a:prstDash val="solid"/>
+                      <a:round/>
+                      <a:headEnd len="sm" w="sm" type="none"/>
+                      <a:tailEnd len="sm" w="sm" type="none"/>
+                    </a:lnT>
+                    <a:lnB cap="flat" cmpd="sng" w="12650">
+                      <a:solidFill>
+                        <a:srgbClr val="000000"/>
+                      </a:solidFill>
+                      <a:prstDash val="solid"/>
+                      <a:round/>
+                      <a:headEnd len="sm" w="sm" type="none"/>
+                      <a:tailEnd len="sm" w="sm" type="none"/>
+                    </a:lnB>
+                    <a:solidFill>
+                      <a:srgbClr val="EDEDED"/>
+                    </a:solidFill>
+                  </a:tcPr>
+                </a:tc>
+                <a:tc>
+                  <a:txBody>
+                    <a:bodyPr/>
+                    <a:lstStyle/>
+                    <a:p>
+                      <a:pPr indent="0" lvl="0" marL="0" rtl="0" algn="ctr">
+                        <a:lnSpc>
+                          <a:spcPct val="100000"/>
+                        </a:lnSpc>
+                        <a:spcBef>
+                          <a:spcPts val="0"/>
+                        </a:spcBef>
+                        <a:spcAft>
+                          <a:spcPts val="0"/>
+                        </a:spcAft>
+                        <a:buNone/>
+                      </a:pPr>
+                      <a:r>
+                        <a:rPr lang="hr" sz="1200"/>
+                        <a:t>2.1021</a:t>
+                      </a:r>
+                      <a:endParaRPr sz="1200"/>
+                    </a:p>
+                  </a:txBody>
+                  <a:tcPr marT="91425" marB="91425" marR="68575" marL="68575">
+                    <a:lnL cap="flat" cmpd="sng" w="12650">
+                      <a:solidFill>
+                        <a:srgbClr val="000000"/>
+                      </a:solidFill>
+                      <a:prstDash val="solid"/>
+                      <a:round/>
+                      <a:headEnd len="sm" w="sm" type="none"/>
+                      <a:tailEnd len="sm" w="sm" type="none"/>
+                    </a:lnL>
+                    <a:lnR cap="flat" cmpd="sng" w="12650">
+                      <a:solidFill>
+                        <a:srgbClr val="000000"/>
+                      </a:solidFill>
+                      <a:prstDash val="solid"/>
+                      <a:round/>
+                      <a:headEnd len="sm" w="sm" type="none"/>
+                      <a:tailEnd len="sm" w="sm" type="none"/>
+                    </a:lnR>
+                    <a:lnT cap="flat" cmpd="sng" w="12650">
+                      <a:solidFill>
+                        <a:srgbClr val="000000"/>
+                      </a:solidFill>
+                      <a:prstDash val="solid"/>
+                      <a:round/>
+                      <a:headEnd len="sm" w="sm" type="none"/>
+                      <a:tailEnd len="sm" w="sm" type="none"/>
+                    </a:lnT>
+                    <a:lnB cap="flat" cmpd="sng" w="12650">
+                      <a:solidFill>
+                        <a:srgbClr val="000000"/>
+                      </a:solidFill>
+                      <a:prstDash val="solid"/>
+                      <a:round/>
+                      <a:headEnd len="sm" w="sm" type="none"/>
+                      <a:tailEnd len="sm" w="sm" type="none"/>
+                    </a:lnB>
+                  </a:tcPr>
+                </a:tc>
+                <a:tc>
+                  <a:txBody>
+                    <a:bodyPr/>
+                    <a:lstStyle/>
+                    <a:p>
+                      <a:pPr indent="0" lvl="0" marL="0" rtl="0" algn="ctr">
+                        <a:lnSpc>
+                          <a:spcPct val="100000"/>
+                        </a:lnSpc>
+                        <a:spcBef>
+                          <a:spcPts val="0"/>
+                        </a:spcBef>
+                        <a:spcAft>
+                          <a:spcPts val="0"/>
+                        </a:spcAft>
+                        <a:buNone/>
+                      </a:pPr>
+                      <a:r>
+                        <a:rPr lang="hr" sz="1200"/>
+                        <a:t>1.8621</a:t>
+                      </a:r>
+                      <a:endParaRPr sz="1200"/>
+                    </a:p>
+                  </a:txBody>
+                  <a:tcPr marT="91425" marB="91425" marR="68575" marL="68575">
+                    <a:lnL cap="flat" cmpd="sng" w="12650">
+                      <a:solidFill>
+                        <a:srgbClr val="000000"/>
+                      </a:solidFill>
+                      <a:prstDash val="solid"/>
+                      <a:round/>
+                      <a:headEnd len="sm" w="sm" type="none"/>
+                      <a:tailEnd len="sm" w="sm" type="none"/>
+                    </a:lnL>
+                    <a:lnR cap="flat" cmpd="sng" w="12650">
+                      <a:solidFill>
+                        <a:srgbClr val="000000"/>
+                      </a:solidFill>
+                      <a:prstDash val="solid"/>
+                      <a:round/>
+                      <a:headEnd len="sm" w="sm" type="none"/>
+                      <a:tailEnd len="sm" w="sm" type="none"/>
+                    </a:lnR>
+                    <a:lnT cap="flat" cmpd="sng" w="12650">
+                      <a:solidFill>
+                        <a:srgbClr val="000000"/>
+                      </a:solidFill>
+                      <a:prstDash val="solid"/>
+                      <a:round/>
+                      <a:headEnd len="sm" w="sm" type="none"/>
+                      <a:tailEnd len="sm" w="sm" type="none"/>
+                    </a:lnT>
+                    <a:lnB cap="flat" cmpd="sng" w="12650">
+                      <a:solidFill>
+                        <a:srgbClr val="000000"/>
+                      </a:solidFill>
+                      <a:prstDash val="solid"/>
+                      <a:round/>
+                      <a:headEnd len="sm" w="sm" type="none"/>
+                      <a:tailEnd len="sm" w="sm" type="none"/>
+                    </a:lnB>
+                  </a:tcPr>
+                </a:tc>
+                <a:tc>
+                  <a:txBody>
+                    <a:bodyPr/>
+                    <a:lstStyle/>
+                    <a:p>
+                      <a:pPr indent="0" lvl="0" marL="0" rtl="0" algn="ctr">
+                        <a:lnSpc>
+                          <a:spcPct val="100000"/>
+                        </a:lnSpc>
+                        <a:spcBef>
+                          <a:spcPts val="0"/>
+                        </a:spcBef>
+                        <a:spcAft>
+                          <a:spcPts val="0"/>
+                        </a:spcAft>
+                        <a:buNone/>
+                      </a:pPr>
+                      <a:r>
+                        <a:rPr lang="hr" sz="1200"/>
+                        <a:t>N/A</a:t>
+                      </a:r>
+                      <a:endParaRPr sz="1200"/>
+                    </a:p>
+                  </a:txBody>
+                  <a:tcPr marT="91425" marB="91425" marR="68575" marL="68575">
+                    <a:lnL cap="flat" cmpd="sng" w="12650">
+                      <a:solidFill>
+                        <a:srgbClr val="000000"/>
+                      </a:solidFill>
+                      <a:prstDash val="solid"/>
+                      <a:round/>
+                      <a:headEnd len="sm" w="sm" type="none"/>
+                      <a:tailEnd len="sm" w="sm" type="none"/>
+                    </a:lnL>
+                    <a:lnR cap="flat" cmpd="sng" w="12650">
+                      <a:solidFill>
+                        <a:srgbClr val="000000"/>
+                      </a:solidFill>
+                      <a:prstDash val="solid"/>
+                      <a:round/>
+                      <a:headEnd len="sm" w="sm" type="none"/>
+                      <a:tailEnd len="sm" w="sm" type="none"/>
+                    </a:lnR>
+                    <a:lnT cap="flat" cmpd="sng" w="12650">
+                      <a:solidFill>
+                        <a:srgbClr val="000000"/>
+                      </a:solidFill>
+                      <a:prstDash val="solid"/>
+                      <a:round/>
+                      <a:headEnd len="sm" w="sm" type="none"/>
+                      <a:tailEnd len="sm" w="sm" type="none"/>
+                    </a:lnT>
+                    <a:lnB cap="flat" cmpd="sng" w="12650">
+                      <a:solidFill>
+                        <a:srgbClr val="000000"/>
+                      </a:solidFill>
+                      <a:prstDash val="solid"/>
+                      <a:round/>
+                      <a:headEnd len="sm" w="sm" type="none"/>
+                      <a:tailEnd len="sm" w="sm" type="none"/>
+                    </a:lnB>
+                  </a:tcPr>
+                </a:tc>
+                <a:tc>
+                  <a:txBody>
+                    <a:bodyPr/>
+                    <a:lstStyle/>
+                    <a:p>
+                      <a:pPr indent="0" lvl="0" marL="0" rtl="0" algn="ctr">
+                        <a:lnSpc>
+                          <a:spcPct val="100000"/>
+                        </a:lnSpc>
+                        <a:spcBef>
+                          <a:spcPts val="0"/>
+                        </a:spcBef>
+                        <a:spcAft>
+                          <a:spcPts val="0"/>
+                        </a:spcAft>
+                        <a:buNone/>
+                      </a:pPr>
+                      <a:r>
+                        <a:rPr lang="hr" sz="1200"/>
+                        <a:t>N/A</a:t>
+                      </a:r>
+                      <a:endParaRPr sz="1200"/>
+                    </a:p>
+                  </a:txBody>
+                  <a:tcPr marT="91425" marB="91425" marR="68575" marL="68575">
+                    <a:lnL cap="flat" cmpd="sng" w="12650">
+                      <a:solidFill>
+                        <a:srgbClr val="000000"/>
+                      </a:solidFill>
+                      <a:prstDash val="solid"/>
+                      <a:round/>
+                      <a:headEnd len="sm" w="sm" type="none"/>
+                      <a:tailEnd len="sm" w="sm" type="none"/>
+                    </a:lnL>
+                    <a:lnR cap="flat" cmpd="sng" w="12650">
+                      <a:solidFill>
+                        <a:srgbClr val="000000"/>
+                      </a:solidFill>
+                      <a:prstDash val="solid"/>
+                      <a:round/>
+                      <a:headEnd len="sm" w="sm" type="none"/>
+                      <a:tailEnd len="sm" w="sm" type="none"/>
+                    </a:lnR>
+                    <a:lnT cap="flat" cmpd="sng" w="12650">
+                      <a:solidFill>
+                        <a:srgbClr val="000000"/>
+                      </a:solidFill>
+                      <a:prstDash val="solid"/>
+                      <a:round/>
+                      <a:headEnd len="sm" w="sm" type="none"/>
+                      <a:tailEnd len="sm" w="sm" type="none"/>
+                    </a:lnT>
+                    <a:lnB cap="flat" cmpd="sng" w="12650">
+                      <a:solidFill>
+                        <a:srgbClr val="000000"/>
+                      </a:solidFill>
+                      <a:prstDash val="solid"/>
+                      <a:round/>
+                      <a:headEnd len="sm" w="sm" type="none"/>
+                      <a:tailEnd len="sm" w="sm" type="none"/>
+                    </a:lnB>
+                  </a:tcPr>
+                </a:tc>
+              </a:tr>
+              <a:tr h="346625">
+                <a:tc rowSpan="3">
+                  <a:txBody>
+                    <a:bodyPr/>
+                    <a:lstStyle/>
+                    <a:p>
+                      <a:pPr indent="0" lvl="0" marL="0" rtl="0" algn="l">
+                        <a:lnSpc>
+                          <a:spcPct val="100000"/>
+                        </a:lnSpc>
+                        <a:spcBef>
+                          <a:spcPts val="0"/>
+                        </a:spcBef>
+                        <a:spcAft>
+                          <a:spcPts val="0"/>
+                        </a:spcAft>
+                        <a:buNone/>
+                      </a:pPr>
+                      <a:r>
+                        <a:rPr lang="hr" sz="1200"/>
+                        <a:t> </a:t>
+                      </a:r>
+                      <a:endParaRPr sz="1200"/>
+                    </a:p>
+                    <a:p>
+                      <a:pPr indent="0" lvl="0" marL="0" rtl="0" algn="l">
+                        <a:lnSpc>
+                          <a:spcPct val="100000"/>
+                        </a:lnSpc>
+                        <a:spcBef>
+                          <a:spcPts val="0"/>
+                        </a:spcBef>
+                        <a:spcAft>
+                          <a:spcPts val="0"/>
+                        </a:spcAft>
+                        <a:buNone/>
+                      </a:pPr>
+                      <a:r>
+                        <a:t/>
+                      </a:r>
+                      <a:endParaRPr sz="1200"/>
+                    </a:p>
+                    <a:p>
+                      <a:pPr indent="0" lvl="0" marL="0" rtl="0" algn="l">
+                        <a:lnSpc>
+                          <a:spcPct val="100000"/>
+                        </a:lnSpc>
+                        <a:spcBef>
+                          <a:spcPts val="0"/>
+                        </a:spcBef>
+                        <a:spcAft>
+                          <a:spcPts val="0"/>
+                        </a:spcAft>
+                        <a:buNone/>
+                      </a:pPr>
+                      <a:r>
+                        <a:rPr lang="hr" sz="1200"/>
+                        <a:t>15k iteracija</a:t>
+                      </a:r>
+                      <a:endParaRPr sz="1200"/>
+                    </a:p>
+                  </a:txBody>
+                  <a:tcPr marT="91425" marB="91425" marR="68575" marL="68575">
+                    <a:lnL cap="flat" cmpd="sng" w="12650">
+                      <a:solidFill>
+                        <a:srgbClr val="000000"/>
+                      </a:solidFill>
+                      <a:prstDash val="solid"/>
+                      <a:round/>
+                      <a:headEnd len="sm" w="sm" type="none"/>
+                      <a:tailEnd len="sm" w="sm" type="none"/>
+                    </a:lnL>
+                    <a:lnR cap="flat" cmpd="sng" w="12650">
+                      <a:solidFill>
+                        <a:srgbClr val="000000"/>
+                      </a:solidFill>
+                      <a:prstDash val="solid"/>
+                      <a:round/>
+                      <a:headEnd len="sm" w="sm" type="none"/>
+                      <a:tailEnd len="sm" w="sm" type="none"/>
+                    </a:lnR>
+                    <a:lnT cap="flat" cmpd="sng" w="12650">
+                      <a:solidFill>
+                        <a:srgbClr val="000000"/>
+                      </a:solidFill>
+                      <a:prstDash val="solid"/>
+                      <a:round/>
+                      <a:headEnd len="sm" w="sm" type="none"/>
+                      <a:tailEnd len="sm" w="sm" type="none"/>
+                    </a:lnT>
+                    <a:lnB cap="flat" cmpd="sng" w="12650">
+                      <a:solidFill>
+                        <a:srgbClr val="000000"/>
+                      </a:solidFill>
+                      <a:prstDash val="solid"/>
+                      <a:round/>
+                      <a:headEnd len="sm" w="sm" type="none"/>
+                      <a:tailEnd len="sm" w="sm" type="none"/>
+                    </a:lnB>
+                    <a:solidFill>
+                      <a:srgbClr val="EDEDED"/>
+                    </a:solidFill>
+                  </a:tcPr>
+                </a:tc>
+                <a:tc>
+                  <a:txBody>
+                    <a:bodyPr/>
+                    <a:lstStyle/>
+                    <a:p>
+                      <a:pPr indent="0" lvl="0" marL="0" rtl="0" algn="l">
+                        <a:lnSpc>
+                          <a:spcPct val="100000"/>
+                        </a:lnSpc>
+                        <a:spcBef>
+                          <a:spcPts val="0"/>
+                        </a:spcBef>
+                        <a:spcAft>
+                          <a:spcPts val="0"/>
+                        </a:spcAft>
+                        <a:buNone/>
+                      </a:pPr>
+                      <a:r>
+                        <a:rPr lang="hr" sz="1200"/>
+                        <a:t>uspjeh</a:t>
+                      </a:r>
+                      <a:endParaRPr sz="1200"/>
+                    </a:p>
+                  </a:txBody>
+                  <a:tcPr marT="91425" marB="91425" marR="68575" marL="68575">
+                    <a:lnL cap="flat" cmpd="sng" w="12650">
+                      <a:solidFill>
+                        <a:srgbClr val="000000"/>
+                      </a:solidFill>
+                      <a:prstDash val="solid"/>
+                      <a:round/>
+                      <a:headEnd len="sm" w="sm" type="none"/>
+                      <a:tailEnd len="sm" w="sm" type="none"/>
+                    </a:lnL>
+                    <a:lnR cap="flat" cmpd="sng" w="12650">
+                      <a:solidFill>
+                        <a:srgbClr val="000000"/>
+                      </a:solidFill>
+                      <a:prstDash val="solid"/>
+                      <a:round/>
+                      <a:headEnd len="sm" w="sm" type="none"/>
+                      <a:tailEnd len="sm" w="sm" type="none"/>
+                    </a:lnR>
+                    <a:lnT cap="flat" cmpd="sng" w="12650">
+                      <a:solidFill>
+                        <a:srgbClr val="000000"/>
+                      </a:solidFill>
+                      <a:prstDash val="solid"/>
+                      <a:round/>
+                      <a:headEnd len="sm" w="sm" type="none"/>
+                      <a:tailEnd len="sm" w="sm" type="none"/>
+                    </a:lnT>
+                    <a:lnB cap="flat" cmpd="sng" w="12650">
+                      <a:solidFill>
+                        <a:srgbClr val="000000"/>
+                      </a:solidFill>
+                      <a:prstDash val="solid"/>
+                      <a:round/>
+                      <a:headEnd len="sm" w="sm" type="none"/>
+                      <a:tailEnd len="sm" w="sm" type="none"/>
+                    </a:lnB>
+                    <a:solidFill>
+                      <a:srgbClr val="C9C9C9"/>
+                    </a:solidFill>
+                  </a:tcPr>
+                </a:tc>
+                <a:tc>
+                  <a:txBody>
+                    <a:bodyPr/>
+                    <a:lstStyle/>
+                    <a:p>
+                      <a:pPr indent="0" lvl="0" marL="0" rtl="0" algn="ctr">
+                        <a:lnSpc>
+                          <a:spcPct val="100000"/>
+                        </a:lnSpc>
+                        <a:spcBef>
+                          <a:spcPts val="0"/>
+                        </a:spcBef>
+                        <a:spcAft>
+                          <a:spcPts val="0"/>
+                        </a:spcAft>
+                        <a:buNone/>
+                      </a:pPr>
+                      <a:r>
+                        <a:rPr lang="hr" sz="1200"/>
+                        <a:t>100/100</a:t>
+                      </a:r>
+                      <a:endParaRPr sz="1200"/>
+                    </a:p>
+                  </a:txBody>
+                  <a:tcPr marT="91425" marB="91425" marR="68575" marL="68575">
+                    <a:lnL cap="flat" cmpd="sng" w="12650">
+                      <a:solidFill>
+                        <a:srgbClr val="000000"/>
+                      </a:solidFill>
+                      <a:prstDash val="solid"/>
+                      <a:round/>
+                      <a:headEnd len="sm" w="sm" type="none"/>
+                      <a:tailEnd len="sm" w="sm" type="none"/>
+                    </a:lnL>
+                    <a:lnR cap="flat" cmpd="sng" w="12650">
+                      <a:solidFill>
+                        <a:srgbClr val="000000"/>
+                      </a:solidFill>
+                      <a:prstDash val="solid"/>
+                      <a:round/>
+                      <a:headEnd len="sm" w="sm" type="none"/>
+                      <a:tailEnd len="sm" w="sm" type="none"/>
+                    </a:lnR>
+                    <a:lnT cap="flat" cmpd="sng" w="12650">
+                      <a:solidFill>
+                        <a:srgbClr val="000000"/>
+                      </a:solidFill>
+                      <a:prstDash val="solid"/>
+                      <a:round/>
+                      <a:headEnd len="sm" w="sm" type="none"/>
+                      <a:tailEnd len="sm" w="sm" type="none"/>
+                    </a:lnT>
+                    <a:lnB cap="flat" cmpd="sng" w="12650">
+                      <a:solidFill>
+                        <a:srgbClr val="000000"/>
+                      </a:solidFill>
+                      <a:prstDash val="solid"/>
+                      <a:round/>
+                      <a:headEnd len="sm" w="sm" type="none"/>
+                      <a:tailEnd len="sm" w="sm" type="none"/>
+                    </a:lnB>
+                    <a:solidFill>
+                      <a:srgbClr val="C9C9C9"/>
+                    </a:solidFill>
+                  </a:tcPr>
+                </a:tc>
+                <a:tc>
+                  <a:txBody>
+                    <a:bodyPr/>
+                    <a:lstStyle/>
+                    <a:p>
+                      <a:pPr indent="0" lvl="0" marL="0" rtl="0" algn="ctr">
+                        <a:lnSpc>
+                          <a:spcPct val="100000"/>
+                        </a:lnSpc>
+                        <a:spcBef>
+                          <a:spcPts val="0"/>
+                        </a:spcBef>
+                        <a:spcAft>
+                          <a:spcPts val="0"/>
+                        </a:spcAft>
+                        <a:buNone/>
+                      </a:pPr>
+                      <a:r>
+                        <a:rPr lang="hr" sz="1200"/>
+                        <a:t>55/100</a:t>
+                      </a:r>
+                      <a:endParaRPr sz="1200"/>
+                    </a:p>
+                  </a:txBody>
+                  <a:tcPr marT="91425" marB="91425" marR="68575" marL="68575">
+                    <a:lnL cap="flat" cmpd="sng" w="12650">
+                      <a:solidFill>
+                        <a:srgbClr val="000000"/>
+                      </a:solidFill>
+                      <a:prstDash val="solid"/>
+                      <a:round/>
+                      <a:headEnd len="sm" w="sm" type="none"/>
+                      <a:tailEnd len="sm" w="sm" type="none"/>
+                    </a:lnL>
+                    <a:lnR cap="flat" cmpd="sng" w="12650">
+                      <a:solidFill>
+                        <a:srgbClr val="000000"/>
+                      </a:solidFill>
+                      <a:prstDash val="solid"/>
+                      <a:round/>
+                      <a:headEnd len="sm" w="sm" type="none"/>
+                      <a:tailEnd len="sm" w="sm" type="none"/>
+                    </a:lnR>
+                    <a:lnT cap="flat" cmpd="sng" w="12650">
+                      <a:solidFill>
+                        <a:srgbClr val="000000"/>
+                      </a:solidFill>
+                      <a:prstDash val="solid"/>
+                      <a:round/>
+                      <a:headEnd len="sm" w="sm" type="none"/>
+                      <a:tailEnd len="sm" w="sm" type="none"/>
+                    </a:lnT>
+                    <a:lnB cap="flat" cmpd="sng" w="12650">
+                      <a:solidFill>
+                        <a:srgbClr val="000000"/>
+                      </a:solidFill>
+                      <a:prstDash val="solid"/>
+                      <a:round/>
+                      <a:headEnd len="sm" w="sm" type="none"/>
+                      <a:tailEnd len="sm" w="sm" type="none"/>
+                    </a:lnB>
+                    <a:solidFill>
+                      <a:srgbClr val="C9C9C9"/>
+                    </a:solidFill>
+                  </a:tcPr>
+                </a:tc>
+                <a:tc>
+                  <a:txBody>
+                    <a:bodyPr/>
+                    <a:lstStyle/>
+                    <a:p>
+                      <a:pPr indent="0" lvl="0" marL="0" rtl="0" algn="ctr">
+                        <a:lnSpc>
+                          <a:spcPct val="100000"/>
+                        </a:lnSpc>
+                        <a:spcBef>
+                          <a:spcPts val="0"/>
+                        </a:spcBef>
+                        <a:spcAft>
+                          <a:spcPts val="0"/>
+                        </a:spcAft>
+                        <a:buNone/>
+                      </a:pPr>
+                      <a:r>
+                        <a:rPr lang="hr" sz="1200"/>
+                        <a:t>16/100</a:t>
+                      </a:r>
+                      <a:endParaRPr sz="1200"/>
+                    </a:p>
+                  </a:txBody>
+                  <a:tcPr marT="91425" marB="91425" marR="68575" marL="68575">
+                    <a:lnL cap="flat" cmpd="sng" w="12650">
+                      <a:solidFill>
+                        <a:srgbClr val="000000"/>
+                      </a:solidFill>
+                      <a:prstDash val="solid"/>
+                      <a:round/>
+                      <a:headEnd len="sm" w="sm" type="none"/>
+                      <a:tailEnd len="sm" w="sm" type="none"/>
+                    </a:lnL>
+                    <a:lnR cap="flat" cmpd="sng" w="12650">
+                      <a:solidFill>
+                        <a:srgbClr val="000000"/>
+                      </a:solidFill>
+                      <a:prstDash val="solid"/>
+                      <a:round/>
+                      <a:headEnd len="sm" w="sm" type="none"/>
+                      <a:tailEnd len="sm" w="sm" type="none"/>
+                    </a:lnR>
+                    <a:lnT cap="flat" cmpd="sng" w="12650">
+                      <a:solidFill>
+                        <a:srgbClr val="000000"/>
+                      </a:solidFill>
+                      <a:prstDash val="solid"/>
+                      <a:round/>
+                      <a:headEnd len="sm" w="sm" type="none"/>
+                      <a:tailEnd len="sm" w="sm" type="none"/>
+                    </a:lnT>
+                    <a:lnB cap="flat" cmpd="sng" w="12650">
+                      <a:solidFill>
+                        <a:srgbClr val="000000"/>
+                      </a:solidFill>
+                      <a:prstDash val="solid"/>
+                      <a:round/>
+                      <a:headEnd len="sm" w="sm" type="none"/>
+                      <a:tailEnd len="sm" w="sm" type="none"/>
+                    </a:lnB>
+                    <a:solidFill>
+                      <a:srgbClr val="C9C9C9"/>
+                    </a:solidFill>
+                  </a:tcPr>
+                </a:tc>
+                <a:tc>
+                  <a:txBody>
+                    <a:bodyPr/>
+                    <a:lstStyle/>
+                    <a:p>
+                      <a:pPr indent="0" lvl="0" marL="0" rtl="0" algn="ctr">
+                        <a:lnSpc>
+                          <a:spcPct val="100000"/>
+                        </a:lnSpc>
+                        <a:spcBef>
+                          <a:spcPts val="0"/>
+                        </a:spcBef>
+                        <a:spcAft>
+                          <a:spcPts val="0"/>
+                        </a:spcAft>
+                        <a:buNone/>
+                      </a:pPr>
+                      <a:r>
+                        <a:rPr lang="hr" sz="1200"/>
+                        <a:t>0/100</a:t>
+                      </a:r>
+                      <a:endParaRPr sz="1200"/>
+                    </a:p>
+                  </a:txBody>
+                  <a:tcPr marT="91425" marB="91425" marR="68575" marL="68575">
+                    <a:lnL cap="flat" cmpd="sng" w="12650">
+                      <a:solidFill>
+                        <a:srgbClr val="000000"/>
+                      </a:solidFill>
+                      <a:prstDash val="solid"/>
+                      <a:round/>
+                      <a:headEnd len="sm" w="sm" type="none"/>
+                      <a:tailEnd len="sm" w="sm" type="none"/>
+                    </a:lnL>
+                    <a:lnR cap="flat" cmpd="sng" w="12650">
+                      <a:solidFill>
+                        <a:srgbClr val="000000"/>
+                      </a:solidFill>
+                      <a:prstDash val="solid"/>
+                      <a:round/>
+                      <a:headEnd len="sm" w="sm" type="none"/>
+                      <a:tailEnd len="sm" w="sm" type="none"/>
+                    </a:lnR>
+                    <a:lnT cap="flat" cmpd="sng" w="12650">
+                      <a:solidFill>
+                        <a:srgbClr val="000000"/>
+                      </a:solidFill>
+                      <a:prstDash val="solid"/>
+                      <a:round/>
+                      <a:headEnd len="sm" w="sm" type="none"/>
+                      <a:tailEnd len="sm" w="sm" type="none"/>
+                    </a:lnT>
+                    <a:lnB cap="flat" cmpd="sng" w="12650">
+                      <a:solidFill>
+                        <a:srgbClr val="000000"/>
+                      </a:solidFill>
+                      <a:prstDash val="solid"/>
+                      <a:round/>
+                      <a:headEnd len="sm" w="sm" type="none"/>
+                      <a:tailEnd len="sm" w="sm" type="none"/>
+                    </a:lnB>
+                    <a:solidFill>
+                      <a:srgbClr val="C9C9C9"/>
+                    </a:solidFill>
+                  </a:tcPr>
+                </a:tc>
+              </a:tr>
+              <a:tr h="346625">
+                <a:tc vMerge="1"/>
+                <a:tc>
+                  <a:txBody>
+                    <a:bodyPr/>
+                    <a:lstStyle/>
+                    <a:p>
+                      <a:pPr indent="0" lvl="0" marL="0" rtl="0" algn="l">
+                        <a:lnSpc>
+                          <a:spcPct val="100000"/>
+                        </a:lnSpc>
+                        <a:spcBef>
+                          <a:spcPts val="0"/>
+                        </a:spcBef>
+                        <a:spcAft>
+                          <a:spcPts val="0"/>
+                        </a:spcAft>
+                        <a:buNone/>
+                      </a:pPr>
+                      <a:r>
+                        <a:rPr lang="hr" sz="1200"/>
+                        <a:t>pr. vrijeme</a:t>
+                      </a:r>
+                      <a:endParaRPr sz="1200"/>
+                    </a:p>
+                  </a:txBody>
+                  <a:tcPr marT="91425" marB="91425" marR="68575" marL="68575">
+                    <a:lnL cap="flat" cmpd="sng" w="12650">
+                      <a:solidFill>
+                        <a:srgbClr val="000000"/>
+                      </a:solidFill>
+                      <a:prstDash val="solid"/>
+                      <a:round/>
+                      <a:headEnd len="sm" w="sm" type="none"/>
+                      <a:tailEnd len="sm" w="sm" type="none"/>
+                    </a:lnL>
+                    <a:lnR cap="flat" cmpd="sng" w="12650">
+                      <a:solidFill>
+                        <a:srgbClr val="000000"/>
+                      </a:solidFill>
+                      <a:prstDash val="solid"/>
+                      <a:round/>
+                      <a:headEnd len="sm" w="sm" type="none"/>
+                      <a:tailEnd len="sm" w="sm" type="none"/>
+                    </a:lnR>
+                    <a:lnT cap="flat" cmpd="sng" w="12650">
+                      <a:solidFill>
+                        <a:srgbClr val="000000"/>
+                      </a:solidFill>
+                      <a:prstDash val="solid"/>
+                      <a:round/>
+                      <a:headEnd len="sm" w="sm" type="none"/>
+                      <a:tailEnd len="sm" w="sm" type="none"/>
+                    </a:lnT>
+                    <a:lnB cap="flat" cmpd="sng" w="12650">
+                      <a:solidFill>
+                        <a:srgbClr val="000000"/>
+                      </a:solidFill>
+                      <a:prstDash val="solid"/>
+                      <a:round/>
+                      <a:headEnd len="sm" w="sm" type="none"/>
+                      <a:tailEnd len="sm" w="sm" type="none"/>
+                    </a:lnB>
+                    <a:solidFill>
+                      <a:srgbClr val="EDEDED"/>
+                    </a:solidFill>
+                  </a:tcPr>
+                </a:tc>
+                <a:tc>
+                  <a:txBody>
+                    <a:bodyPr/>
+                    <a:lstStyle/>
+                    <a:p>
+                      <a:pPr indent="0" lvl="0" marL="0" rtl="0" algn="ctr">
+                        <a:lnSpc>
+                          <a:spcPct val="100000"/>
+                        </a:lnSpc>
+                        <a:spcBef>
+                          <a:spcPts val="0"/>
+                        </a:spcBef>
+                        <a:spcAft>
+                          <a:spcPts val="0"/>
+                        </a:spcAft>
+                        <a:buNone/>
+                      </a:pPr>
+                      <a:r>
+                        <a:rPr lang="hr" sz="1200"/>
+                        <a:t>5.44s</a:t>
+                      </a:r>
+                      <a:endParaRPr sz="1200"/>
+                    </a:p>
+                  </a:txBody>
+                  <a:tcPr marT="91425" marB="91425" marR="68575" marL="68575">
+                    <a:lnL cap="flat" cmpd="sng" w="12650">
+                      <a:solidFill>
+                        <a:srgbClr val="000000"/>
+                      </a:solidFill>
+                      <a:prstDash val="solid"/>
+                      <a:round/>
+                      <a:headEnd len="sm" w="sm" type="none"/>
+                      <a:tailEnd len="sm" w="sm" type="none"/>
+                    </a:lnL>
+                    <a:lnR cap="flat" cmpd="sng" w="12650">
+                      <a:solidFill>
+                        <a:srgbClr val="000000"/>
+                      </a:solidFill>
+                      <a:prstDash val="solid"/>
+                      <a:round/>
+                      <a:headEnd len="sm" w="sm" type="none"/>
+                      <a:tailEnd len="sm" w="sm" type="none"/>
+                    </a:lnR>
+                    <a:lnT cap="flat" cmpd="sng" w="12650">
+                      <a:solidFill>
+                        <a:srgbClr val="000000"/>
+                      </a:solidFill>
+                      <a:prstDash val="solid"/>
+                      <a:round/>
+                      <a:headEnd len="sm" w="sm" type="none"/>
+                      <a:tailEnd len="sm" w="sm" type="none"/>
+                    </a:lnT>
+                    <a:lnB cap="flat" cmpd="sng" w="12650">
+                      <a:solidFill>
+                        <a:srgbClr val="000000"/>
+                      </a:solidFill>
+                      <a:prstDash val="solid"/>
+                      <a:round/>
+                      <a:headEnd len="sm" w="sm" type="none"/>
+                      <a:tailEnd len="sm" w="sm" type="none"/>
+                    </a:lnB>
+                  </a:tcPr>
+                </a:tc>
+                <a:tc>
+                  <a:txBody>
+                    <a:bodyPr/>
+                    <a:lstStyle/>
+                    <a:p>
+                      <a:pPr indent="0" lvl="0" marL="0" rtl="0" algn="ctr">
+                        <a:lnSpc>
+                          <a:spcPct val="100000"/>
+                        </a:lnSpc>
+                        <a:spcBef>
+                          <a:spcPts val="0"/>
+                        </a:spcBef>
+                        <a:spcAft>
+                          <a:spcPts val="0"/>
+                        </a:spcAft>
+                        <a:buNone/>
+                      </a:pPr>
+                      <a:r>
+                        <a:rPr lang="hr" sz="1200"/>
+                        <a:t>9.46s</a:t>
+                      </a:r>
+                      <a:endParaRPr sz="1200"/>
+                    </a:p>
+                  </a:txBody>
+                  <a:tcPr marT="91425" marB="91425" marR="68575" marL="68575">
+                    <a:lnL cap="flat" cmpd="sng" w="12650">
+                      <a:solidFill>
+                        <a:srgbClr val="000000"/>
+                      </a:solidFill>
+                      <a:prstDash val="solid"/>
+                      <a:round/>
+                      <a:headEnd len="sm" w="sm" type="none"/>
+                      <a:tailEnd len="sm" w="sm" type="none"/>
+                    </a:lnL>
+                    <a:lnR cap="flat" cmpd="sng" w="12650">
+                      <a:solidFill>
+                        <a:srgbClr val="000000"/>
+                      </a:solidFill>
+                      <a:prstDash val="solid"/>
+                      <a:round/>
+                      <a:headEnd len="sm" w="sm" type="none"/>
+                      <a:tailEnd len="sm" w="sm" type="none"/>
+                    </a:lnR>
+                    <a:lnT cap="flat" cmpd="sng" w="12650">
+                      <a:solidFill>
+                        <a:srgbClr val="000000"/>
+                      </a:solidFill>
+                      <a:prstDash val="solid"/>
+                      <a:round/>
+                      <a:headEnd len="sm" w="sm" type="none"/>
+                      <a:tailEnd len="sm" w="sm" type="none"/>
+                    </a:lnT>
+                    <a:lnB cap="flat" cmpd="sng" w="12650">
+                      <a:solidFill>
+                        <a:srgbClr val="000000"/>
+                      </a:solidFill>
+                      <a:prstDash val="solid"/>
+                      <a:round/>
+                      <a:headEnd len="sm" w="sm" type="none"/>
+                      <a:tailEnd len="sm" w="sm" type="none"/>
+                    </a:lnB>
+                  </a:tcPr>
+                </a:tc>
+                <a:tc>
+                  <a:txBody>
+                    <a:bodyPr/>
+                    <a:lstStyle/>
+                    <a:p>
+                      <a:pPr indent="0" lvl="0" marL="0" rtl="0" algn="ctr">
+                        <a:lnSpc>
+                          <a:spcPct val="100000"/>
+                        </a:lnSpc>
+                        <a:spcBef>
+                          <a:spcPts val="0"/>
+                        </a:spcBef>
+                        <a:spcAft>
+                          <a:spcPts val="0"/>
+                        </a:spcAft>
+                        <a:buNone/>
+                      </a:pPr>
+                      <a:r>
+                        <a:rPr lang="hr" sz="1200"/>
+                        <a:t>18.54s</a:t>
+                      </a:r>
+                      <a:endParaRPr sz="1200"/>
+                    </a:p>
+                  </a:txBody>
+                  <a:tcPr marT="91425" marB="91425" marR="68575" marL="68575">
+                    <a:lnL cap="flat" cmpd="sng" w="12650">
+                      <a:solidFill>
+                        <a:srgbClr val="000000"/>
+                      </a:solidFill>
+                      <a:prstDash val="solid"/>
+                      <a:round/>
+                      <a:headEnd len="sm" w="sm" type="none"/>
+                      <a:tailEnd len="sm" w="sm" type="none"/>
+                    </a:lnL>
+                    <a:lnR cap="flat" cmpd="sng" w="12650">
+                      <a:solidFill>
+                        <a:srgbClr val="000000"/>
+                      </a:solidFill>
+                      <a:prstDash val="solid"/>
+                      <a:round/>
+                      <a:headEnd len="sm" w="sm" type="none"/>
+                      <a:tailEnd len="sm" w="sm" type="none"/>
+                    </a:lnR>
+                    <a:lnT cap="flat" cmpd="sng" w="12650">
+                      <a:solidFill>
+                        <a:srgbClr val="000000"/>
+                      </a:solidFill>
+                      <a:prstDash val="solid"/>
+                      <a:round/>
+                      <a:headEnd len="sm" w="sm" type="none"/>
+                      <a:tailEnd len="sm" w="sm" type="none"/>
+                    </a:lnT>
+                    <a:lnB cap="flat" cmpd="sng" w="12650">
+                      <a:solidFill>
+                        <a:srgbClr val="000000"/>
+                      </a:solidFill>
+                      <a:prstDash val="solid"/>
+                      <a:round/>
+                      <a:headEnd len="sm" w="sm" type="none"/>
+                      <a:tailEnd len="sm" w="sm" type="none"/>
+                    </a:lnB>
+                  </a:tcPr>
+                </a:tc>
+                <a:tc>
+                  <a:txBody>
+                    <a:bodyPr/>
+                    <a:lstStyle/>
+                    <a:p>
+                      <a:pPr indent="0" lvl="0" marL="0" rtl="0" algn="ctr">
+                        <a:lnSpc>
+                          <a:spcPct val="100000"/>
+                        </a:lnSpc>
+                        <a:spcBef>
+                          <a:spcPts val="0"/>
+                        </a:spcBef>
+                        <a:spcAft>
+                          <a:spcPts val="0"/>
+                        </a:spcAft>
+                        <a:buNone/>
+                      </a:pPr>
+                      <a:r>
+                        <a:rPr lang="hr" sz="1200"/>
+                        <a:t>N/A</a:t>
+                      </a:r>
+                      <a:endParaRPr sz="1200"/>
+                    </a:p>
+                  </a:txBody>
+                  <a:tcPr marT="91425" marB="91425" marR="68575" marL="68575">
+                    <a:lnL cap="flat" cmpd="sng" w="12650">
+                      <a:solidFill>
+                        <a:srgbClr val="000000"/>
+                      </a:solidFill>
+                      <a:prstDash val="solid"/>
+                      <a:round/>
+                      <a:headEnd len="sm" w="sm" type="none"/>
+                      <a:tailEnd len="sm" w="sm" type="none"/>
+                    </a:lnL>
+                    <a:lnR cap="flat" cmpd="sng" w="12650">
+                      <a:solidFill>
+                        <a:srgbClr val="000000"/>
+                      </a:solidFill>
+                      <a:prstDash val="solid"/>
+                      <a:round/>
+                      <a:headEnd len="sm" w="sm" type="none"/>
+                      <a:tailEnd len="sm" w="sm" type="none"/>
+                    </a:lnR>
+                    <a:lnT cap="flat" cmpd="sng" w="12650">
+                      <a:solidFill>
+                        <a:srgbClr val="000000"/>
+                      </a:solidFill>
+                      <a:prstDash val="solid"/>
+                      <a:round/>
+                      <a:headEnd len="sm" w="sm" type="none"/>
+                      <a:tailEnd len="sm" w="sm" type="none"/>
+                    </a:lnT>
+                    <a:lnB cap="flat" cmpd="sng" w="12650">
+                      <a:solidFill>
+                        <a:srgbClr val="000000"/>
+                      </a:solidFill>
+                      <a:prstDash val="solid"/>
+                      <a:round/>
+                      <a:headEnd len="sm" w="sm" type="none"/>
+                      <a:tailEnd len="sm" w="sm" type="none"/>
+                    </a:lnB>
+                  </a:tcPr>
+                </a:tc>
+              </a:tr>
+              <a:tr h="346625">
+                <a:tc vMerge="1"/>
+                <a:tc>
+                  <a:txBody>
+                    <a:bodyPr/>
+                    <a:lstStyle/>
+                    <a:p>
+                      <a:pPr indent="0" lvl="0" marL="0" rtl="0" algn="l">
+                        <a:lnSpc>
+                          <a:spcPct val="100000"/>
+                        </a:lnSpc>
+                        <a:spcBef>
+                          <a:spcPts val="0"/>
+                        </a:spcBef>
+                        <a:spcAft>
+                          <a:spcPts val="0"/>
+                        </a:spcAft>
+                        <a:buNone/>
+                      </a:pPr>
+                      <a:r>
+                        <a:rPr lang="hr" sz="1200"/>
+                        <a:t>st. dev.</a:t>
+                      </a:r>
+                      <a:endParaRPr sz="1200"/>
+                    </a:p>
+                  </a:txBody>
+                  <a:tcPr marT="91425" marB="91425" marR="68575" marL="68575">
+                    <a:lnL cap="flat" cmpd="sng" w="12650">
+                      <a:solidFill>
+                        <a:srgbClr val="000000"/>
+                      </a:solidFill>
+                      <a:prstDash val="solid"/>
+                      <a:round/>
+                      <a:headEnd len="sm" w="sm" type="none"/>
+                      <a:tailEnd len="sm" w="sm" type="none"/>
+                    </a:lnL>
+                    <a:lnR cap="flat" cmpd="sng" w="12650">
+                      <a:solidFill>
+                        <a:srgbClr val="000000"/>
+                      </a:solidFill>
+                      <a:prstDash val="solid"/>
+                      <a:round/>
+                      <a:headEnd len="sm" w="sm" type="none"/>
+                      <a:tailEnd len="sm" w="sm" type="none"/>
+                    </a:lnR>
+                    <a:lnT cap="flat" cmpd="sng" w="12650">
+                      <a:solidFill>
+                        <a:srgbClr val="000000"/>
+                      </a:solidFill>
+                      <a:prstDash val="solid"/>
+                      <a:round/>
+                      <a:headEnd len="sm" w="sm" type="none"/>
+                      <a:tailEnd len="sm" w="sm" type="none"/>
+                    </a:lnT>
+                    <a:lnB cap="flat" cmpd="sng" w="12650">
+                      <a:solidFill>
+                        <a:srgbClr val="000000"/>
+                      </a:solidFill>
+                      <a:prstDash val="solid"/>
+                      <a:round/>
+                      <a:headEnd len="sm" w="sm" type="none"/>
+                      <a:tailEnd len="sm" w="sm" type="none"/>
+                    </a:lnB>
+                    <a:solidFill>
+                      <a:srgbClr val="EDEDED"/>
+                    </a:solidFill>
+                  </a:tcPr>
+                </a:tc>
+                <a:tc>
+                  <a:txBody>
+                    <a:bodyPr/>
+                    <a:lstStyle/>
+                    <a:p>
+                      <a:pPr indent="0" lvl="0" marL="0" rtl="0" algn="ctr">
+                        <a:lnSpc>
+                          <a:spcPct val="100000"/>
+                        </a:lnSpc>
+                        <a:spcBef>
+                          <a:spcPts val="0"/>
+                        </a:spcBef>
+                        <a:spcAft>
+                          <a:spcPts val="0"/>
+                        </a:spcAft>
+                        <a:buNone/>
+                      </a:pPr>
+                      <a:r>
+                        <a:rPr lang="hr" sz="1200"/>
+                        <a:t>3.6152</a:t>
+                      </a:r>
+                      <a:endParaRPr sz="1200"/>
+                    </a:p>
+                  </a:txBody>
+                  <a:tcPr marT="91425" marB="91425" marR="68575" marL="68575">
+                    <a:lnL cap="flat" cmpd="sng" w="12650">
+                      <a:solidFill>
+                        <a:srgbClr val="000000"/>
+                      </a:solidFill>
+                      <a:prstDash val="solid"/>
+                      <a:round/>
+                      <a:headEnd len="sm" w="sm" type="none"/>
+                      <a:tailEnd len="sm" w="sm" type="none"/>
+                    </a:lnL>
+                    <a:lnR cap="flat" cmpd="sng" w="12650">
+                      <a:solidFill>
+                        <a:srgbClr val="000000"/>
+                      </a:solidFill>
+                      <a:prstDash val="solid"/>
+                      <a:round/>
+                      <a:headEnd len="sm" w="sm" type="none"/>
+                      <a:tailEnd len="sm" w="sm" type="none"/>
+                    </a:lnR>
+                    <a:lnT cap="flat" cmpd="sng" w="12650">
+                      <a:solidFill>
+                        <a:srgbClr val="000000"/>
+                      </a:solidFill>
+                      <a:prstDash val="solid"/>
+                      <a:round/>
+                      <a:headEnd len="sm" w="sm" type="none"/>
+                      <a:tailEnd len="sm" w="sm" type="none"/>
+                    </a:lnT>
+                    <a:lnB cap="flat" cmpd="sng" w="12650">
+                      <a:solidFill>
+                        <a:srgbClr val="000000"/>
+                      </a:solidFill>
+                      <a:prstDash val="solid"/>
+                      <a:round/>
+                      <a:headEnd len="sm" w="sm" type="none"/>
+                      <a:tailEnd len="sm" w="sm" type="none"/>
+                    </a:lnB>
+                  </a:tcPr>
+                </a:tc>
+                <a:tc>
+                  <a:txBody>
+                    <a:bodyPr/>
+                    <a:lstStyle/>
+                    <a:p>
+                      <a:pPr indent="0" lvl="0" marL="0" rtl="0" algn="ctr">
+                        <a:lnSpc>
+                          <a:spcPct val="100000"/>
+                        </a:lnSpc>
+                        <a:spcBef>
+                          <a:spcPts val="0"/>
+                        </a:spcBef>
+                        <a:spcAft>
+                          <a:spcPts val="0"/>
+                        </a:spcAft>
+                        <a:buNone/>
+                      </a:pPr>
+                      <a:r>
+                        <a:rPr lang="hr" sz="1200"/>
+                        <a:t>4.0826</a:t>
+                      </a:r>
+                      <a:endParaRPr sz="1200"/>
+                    </a:p>
+                  </a:txBody>
+                  <a:tcPr marT="91425" marB="91425" marR="68575" marL="68575">
+                    <a:lnL cap="flat" cmpd="sng" w="12650">
+                      <a:solidFill>
+                        <a:srgbClr val="000000"/>
+                      </a:solidFill>
+                      <a:prstDash val="solid"/>
+                      <a:round/>
+                      <a:headEnd len="sm" w="sm" type="none"/>
+                      <a:tailEnd len="sm" w="sm" type="none"/>
+                    </a:lnL>
+                    <a:lnR cap="flat" cmpd="sng" w="12650">
+                      <a:solidFill>
+                        <a:srgbClr val="000000"/>
+                      </a:solidFill>
+                      <a:prstDash val="solid"/>
+                      <a:round/>
+                      <a:headEnd len="sm" w="sm" type="none"/>
+                      <a:tailEnd len="sm" w="sm" type="none"/>
+                    </a:lnR>
+                    <a:lnT cap="flat" cmpd="sng" w="12650">
+                      <a:solidFill>
+                        <a:srgbClr val="000000"/>
+                      </a:solidFill>
+                      <a:prstDash val="solid"/>
+                      <a:round/>
+                      <a:headEnd len="sm" w="sm" type="none"/>
+                      <a:tailEnd len="sm" w="sm" type="none"/>
+                    </a:lnT>
+                    <a:lnB cap="flat" cmpd="sng" w="12650">
+                      <a:solidFill>
+                        <a:srgbClr val="000000"/>
+                      </a:solidFill>
+                      <a:prstDash val="solid"/>
+                      <a:round/>
+                      <a:headEnd len="sm" w="sm" type="none"/>
+                      <a:tailEnd len="sm" w="sm" type="none"/>
+                    </a:lnB>
+                  </a:tcPr>
+                </a:tc>
+                <a:tc>
+                  <a:txBody>
+                    <a:bodyPr/>
+                    <a:lstStyle/>
+                    <a:p>
+                      <a:pPr indent="0" lvl="0" marL="0" rtl="0" algn="ctr">
+                        <a:lnSpc>
+                          <a:spcPct val="100000"/>
+                        </a:lnSpc>
+                        <a:spcBef>
+                          <a:spcPts val="0"/>
+                        </a:spcBef>
+                        <a:spcAft>
+                          <a:spcPts val="0"/>
+                        </a:spcAft>
+                        <a:buNone/>
+                      </a:pPr>
+                      <a:r>
+                        <a:rPr lang="hr" sz="1200"/>
+                        <a:t>4.2720</a:t>
+                      </a:r>
+                      <a:endParaRPr sz="1200"/>
+                    </a:p>
+                  </a:txBody>
+                  <a:tcPr marT="91425" marB="91425" marR="68575" marL="68575">
+                    <a:lnL cap="flat" cmpd="sng" w="12650">
+                      <a:solidFill>
+                        <a:srgbClr val="000000"/>
+                      </a:solidFill>
+                      <a:prstDash val="solid"/>
+                      <a:round/>
+                      <a:headEnd len="sm" w="sm" type="none"/>
+                      <a:tailEnd len="sm" w="sm" type="none"/>
+                    </a:lnL>
+                    <a:lnR cap="flat" cmpd="sng" w="12650">
+                      <a:solidFill>
+                        <a:srgbClr val="000000"/>
+                      </a:solidFill>
+                      <a:prstDash val="solid"/>
+                      <a:round/>
+                      <a:headEnd len="sm" w="sm" type="none"/>
+                      <a:tailEnd len="sm" w="sm" type="none"/>
+                    </a:lnR>
+                    <a:lnT cap="flat" cmpd="sng" w="12650">
+                      <a:solidFill>
+                        <a:srgbClr val="000000"/>
+                      </a:solidFill>
+                      <a:prstDash val="solid"/>
+                      <a:round/>
+                      <a:headEnd len="sm" w="sm" type="none"/>
+                      <a:tailEnd len="sm" w="sm" type="none"/>
+                    </a:lnT>
+                    <a:lnB cap="flat" cmpd="sng" w="12650">
+                      <a:solidFill>
+                        <a:srgbClr val="000000"/>
+                      </a:solidFill>
+                      <a:prstDash val="solid"/>
+                      <a:round/>
+                      <a:headEnd len="sm" w="sm" type="none"/>
+                      <a:tailEnd len="sm" w="sm" type="none"/>
+                    </a:lnB>
+                  </a:tcPr>
+                </a:tc>
+                <a:tc>
+                  <a:txBody>
+                    <a:bodyPr/>
+                    <a:lstStyle/>
+                    <a:p>
+                      <a:pPr indent="0" lvl="0" marL="0" rtl="0" algn="ctr">
+                        <a:lnSpc>
+                          <a:spcPct val="100000"/>
+                        </a:lnSpc>
+                        <a:spcBef>
+                          <a:spcPts val="0"/>
+                        </a:spcBef>
+                        <a:spcAft>
+                          <a:spcPts val="0"/>
+                        </a:spcAft>
+                        <a:buNone/>
+                      </a:pPr>
+                      <a:r>
+                        <a:rPr lang="hr" sz="1200"/>
+                        <a:t>N/A</a:t>
+                      </a:r>
+                      <a:endParaRPr sz="1200"/>
+                    </a:p>
+                  </a:txBody>
+                  <a:tcPr marT="91425" marB="91425" marR="68575" marL="68575">
+                    <a:lnL cap="flat" cmpd="sng" w="12650">
+                      <a:solidFill>
+                        <a:srgbClr val="000000"/>
+                      </a:solidFill>
+                      <a:prstDash val="solid"/>
+                      <a:round/>
+                      <a:headEnd len="sm" w="sm" type="none"/>
+                      <a:tailEnd len="sm" w="sm" type="none"/>
+                    </a:lnL>
+                    <a:lnR cap="flat" cmpd="sng" w="12650">
+                      <a:solidFill>
+                        <a:srgbClr val="000000"/>
+                      </a:solidFill>
+                      <a:prstDash val="solid"/>
+                      <a:round/>
+                      <a:headEnd len="sm" w="sm" type="none"/>
+                      <a:tailEnd len="sm" w="sm" type="none"/>
+                    </a:lnR>
+                    <a:lnT cap="flat" cmpd="sng" w="12650">
+                      <a:solidFill>
+                        <a:srgbClr val="000000"/>
+                      </a:solidFill>
+                      <a:prstDash val="solid"/>
+                      <a:round/>
+                      <a:headEnd len="sm" w="sm" type="none"/>
+                      <a:tailEnd len="sm" w="sm" type="none"/>
+                    </a:lnT>
+                    <a:lnB cap="flat" cmpd="sng" w="12650">
+                      <a:solidFill>
+                        <a:srgbClr val="000000"/>
+                      </a:solidFill>
+                      <a:prstDash val="solid"/>
+                      <a:round/>
+                      <a:headEnd len="sm" w="sm" type="none"/>
+                      <a:tailEnd len="sm" w="sm" type="none"/>
+                    </a:lnB>
+                  </a:tcPr>
+                </a:tc>
+              </a:tr>
+              <a:tr h="346625">
+                <a:tc rowSpan="3">
+                  <a:txBody>
+                    <a:bodyPr/>
+                    <a:lstStyle/>
+                    <a:p>
+                      <a:pPr indent="0" lvl="0" marL="0" rtl="0" algn="l">
+                        <a:lnSpc>
+                          <a:spcPct val="100000"/>
+                        </a:lnSpc>
+                        <a:spcBef>
+                          <a:spcPts val="0"/>
+                        </a:spcBef>
+                        <a:spcAft>
+                          <a:spcPts val="0"/>
+                        </a:spcAft>
+                        <a:buNone/>
+                      </a:pPr>
+                      <a:r>
+                        <a:rPr lang="hr" sz="1200"/>
+                        <a:t> </a:t>
+                      </a:r>
+                      <a:endParaRPr sz="1200"/>
+                    </a:p>
+                    <a:p>
+                      <a:pPr indent="0" lvl="0" marL="0" rtl="0" algn="l">
+                        <a:lnSpc>
+                          <a:spcPct val="100000"/>
+                        </a:lnSpc>
+                        <a:spcBef>
+                          <a:spcPts val="0"/>
+                        </a:spcBef>
+                        <a:spcAft>
+                          <a:spcPts val="0"/>
+                        </a:spcAft>
+                        <a:buNone/>
+                      </a:pPr>
+                      <a:r>
+                        <a:t/>
+                      </a:r>
+                      <a:endParaRPr sz="1200"/>
+                    </a:p>
+                    <a:p>
+                      <a:pPr indent="0" lvl="0" marL="0" rtl="0" algn="l">
+                        <a:lnSpc>
+                          <a:spcPct val="100000"/>
+                        </a:lnSpc>
+                        <a:spcBef>
+                          <a:spcPts val="0"/>
+                        </a:spcBef>
+                        <a:spcAft>
+                          <a:spcPts val="0"/>
+                        </a:spcAft>
+                        <a:buNone/>
+                      </a:pPr>
+                      <a:r>
+                        <a:rPr lang="hr" sz="1200"/>
+                        <a:t>25k iteracija</a:t>
+                      </a:r>
+                      <a:endParaRPr sz="1200"/>
+                    </a:p>
+                  </a:txBody>
+                  <a:tcPr marT="91425" marB="91425" marR="68575" marL="68575">
+                    <a:lnL cap="flat" cmpd="sng" w="12650">
+                      <a:solidFill>
+                        <a:srgbClr val="000000"/>
+                      </a:solidFill>
+                      <a:prstDash val="solid"/>
+                      <a:round/>
+                      <a:headEnd len="sm" w="sm" type="none"/>
+                      <a:tailEnd len="sm" w="sm" type="none"/>
+                    </a:lnL>
+                    <a:lnR cap="flat" cmpd="sng" w="12650">
+                      <a:solidFill>
+                        <a:srgbClr val="000000"/>
+                      </a:solidFill>
+                      <a:prstDash val="solid"/>
+                      <a:round/>
+                      <a:headEnd len="sm" w="sm" type="none"/>
+                      <a:tailEnd len="sm" w="sm" type="none"/>
+                    </a:lnR>
+                    <a:lnT cap="flat" cmpd="sng" w="12650">
+                      <a:solidFill>
+                        <a:srgbClr val="000000"/>
+                      </a:solidFill>
+                      <a:prstDash val="solid"/>
+                      <a:round/>
+                      <a:headEnd len="sm" w="sm" type="none"/>
+                      <a:tailEnd len="sm" w="sm" type="none"/>
+                    </a:lnT>
+                    <a:lnB cap="flat" cmpd="sng" w="12650">
+                      <a:solidFill>
+                        <a:srgbClr val="000000"/>
+                      </a:solidFill>
+                      <a:prstDash val="solid"/>
+                      <a:round/>
+                      <a:headEnd len="sm" w="sm" type="none"/>
+                      <a:tailEnd len="sm" w="sm" type="none"/>
+                    </a:lnB>
+                    <a:solidFill>
+                      <a:srgbClr val="EDEDED"/>
+                    </a:solidFill>
+                  </a:tcPr>
+                </a:tc>
+                <a:tc>
+                  <a:txBody>
+                    <a:bodyPr/>
+                    <a:lstStyle/>
+                    <a:p>
+                      <a:pPr indent="0" lvl="0" marL="0" rtl="0" algn="l">
+                        <a:lnSpc>
+                          <a:spcPct val="100000"/>
+                        </a:lnSpc>
+                        <a:spcBef>
+                          <a:spcPts val="0"/>
+                        </a:spcBef>
+                        <a:spcAft>
+                          <a:spcPts val="0"/>
+                        </a:spcAft>
+                        <a:buNone/>
+                      </a:pPr>
+                      <a:r>
+                        <a:rPr lang="hr" sz="1200"/>
+                        <a:t>uspjeh</a:t>
+                      </a:r>
+                      <a:endParaRPr sz="1200"/>
+                    </a:p>
+                  </a:txBody>
+                  <a:tcPr marT="91425" marB="91425" marR="68575" marL="68575">
+                    <a:lnL cap="flat" cmpd="sng" w="12650">
+                      <a:solidFill>
+                        <a:srgbClr val="000000"/>
+                      </a:solidFill>
+                      <a:prstDash val="solid"/>
+                      <a:round/>
+                      <a:headEnd len="sm" w="sm" type="none"/>
+                      <a:tailEnd len="sm" w="sm" type="none"/>
+                    </a:lnL>
+                    <a:lnR cap="flat" cmpd="sng" w="12650">
+                      <a:solidFill>
+                        <a:srgbClr val="000000"/>
+                      </a:solidFill>
+                      <a:prstDash val="solid"/>
+                      <a:round/>
+                      <a:headEnd len="sm" w="sm" type="none"/>
+                      <a:tailEnd len="sm" w="sm" type="none"/>
+                    </a:lnR>
+                    <a:lnT cap="flat" cmpd="sng" w="12650">
+                      <a:solidFill>
+                        <a:srgbClr val="000000"/>
+                      </a:solidFill>
+                      <a:prstDash val="solid"/>
+                      <a:round/>
+                      <a:headEnd len="sm" w="sm" type="none"/>
+                      <a:tailEnd len="sm" w="sm" type="none"/>
+                    </a:lnT>
+                    <a:lnB cap="flat" cmpd="sng" w="12650">
+                      <a:solidFill>
+                        <a:srgbClr val="000000"/>
+                      </a:solidFill>
+                      <a:prstDash val="solid"/>
+                      <a:round/>
+                      <a:headEnd len="sm" w="sm" type="none"/>
+                      <a:tailEnd len="sm" w="sm" type="none"/>
+                    </a:lnB>
+                    <a:solidFill>
+                      <a:srgbClr val="C9C9C9"/>
+                    </a:solidFill>
+                  </a:tcPr>
+                </a:tc>
+                <a:tc>
+                  <a:txBody>
+                    <a:bodyPr/>
+                    <a:lstStyle/>
+                    <a:p>
+                      <a:pPr indent="0" lvl="0" marL="0" rtl="0" algn="ctr">
+                        <a:lnSpc>
+                          <a:spcPct val="100000"/>
+                        </a:lnSpc>
+                        <a:spcBef>
+                          <a:spcPts val="0"/>
+                        </a:spcBef>
+                        <a:spcAft>
+                          <a:spcPts val="0"/>
+                        </a:spcAft>
+                        <a:buNone/>
+                      </a:pPr>
+                      <a:r>
+                        <a:rPr lang="hr" sz="1200"/>
+                        <a:t>100/100</a:t>
+                      </a:r>
+                      <a:endParaRPr sz="1200"/>
+                    </a:p>
+                  </a:txBody>
+                  <a:tcPr marT="91425" marB="91425" marR="68575" marL="68575">
+                    <a:lnL cap="flat" cmpd="sng" w="12650">
+                      <a:solidFill>
+                        <a:srgbClr val="000000"/>
+                      </a:solidFill>
+                      <a:prstDash val="solid"/>
+                      <a:round/>
+                      <a:headEnd len="sm" w="sm" type="none"/>
+                      <a:tailEnd len="sm" w="sm" type="none"/>
+                    </a:lnL>
+                    <a:lnR cap="flat" cmpd="sng" w="12650">
+                      <a:solidFill>
+                        <a:srgbClr val="000000"/>
+                      </a:solidFill>
+                      <a:prstDash val="solid"/>
+                      <a:round/>
+                      <a:headEnd len="sm" w="sm" type="none"/>
+                      <a:tailEnd len="sm" w="sm" type="none"/>
+                    </a:lnR>
+                    <a:lnT cap="flat" cmpd="sng" w="12650">
+                      <a:solidFill>
+                        <a:srgbClr val="000000"/>
+                      </a:solidFill>
+                      <a:prstDash val="solid"/>
+                      <a:round/>
+                      <a:headEnd len="sm" w="sm" type="none"/>
+                      <a:tailEnd len="sm" w="sm" type="none"/>
+                    </a:lnT>
+                    <a:lnB cap="flat" cmpd="sng" w="12650">
+                      <a:solidFill>
+                        <a:srgbClr val="000000"/>
+                      </a:solidFill>
+                      <a:prstDash val="solid"/>
+                      <a:round/>
+                      <a:headEnd len="sm" w="sm" type="none"/>
+                      <a:tailEnd len="sm" w="sm" type="none"/>
+                    </a:lnB>
+                    <a:solidFill>
+                      <a:srgbClr val="C9C9C9"/>
+                    </a:solidFill>
+                  </a:tcPr>
+                </a:tc>
+                <a:tc>
+                  <a:txBody>
+                    <a:bodyPr/>
+                    <a:lstStyle/>
+                    <a:p>
+                      <a:pPr indent="0" lvl="0" marL="0" rtl="0" algn="ctr">
+                        <a:lnSpc>
+                          <a:spcPct val="100000"/>
+                        </a:lnSpc>
+                        <a:spcBef>
+                          <a:spcPts val="0"/>
+                        </a:spcBef>
+                        <a:spcAft>
+                          <a:spcPts val="0"/>
+                        </a:spcAft>
+                        <a:buNone/>
+                      </a:pPr>
+                      <a:r>
+                        <a:rPr lang="hr" sz="1200"/>
+                        <a:t>91/100</a:t>
+                      </a:r>
+                      <a:endParaRPr sz="1200"/>
+                    </a:p>
+                  </a:txBody>
+                  <a:tcPr marT="91425" marB="91425" marR="68575" marL="68575">
+                    <a:lnL cap="flat" cmpd="sng" w="12650">
+                      <a:solidFill>
+                        <a:srgbClr val="000000"/>
+                      </a:solidFill>
+                      <a:prstDash val="solid"/>
+                      <a:round/>
+                      <a:headEnd len="sm" w="sm" type="none"/>
+                      <a:tailEnd len="sm" w="sm" type="none"/>
+                    </a:lnL>
+                    <a:lnR cap="flat" cmpd="sng" w="12650">
+                      <a:solidFill>
+                        <a:srgbClr val="000000"/>
+                      </a:solidFill>
+                      <a:prstDash val="solid"/>
+                      <a:round/>
+                      <a:headEnd len="sm" w="sm" type="none"/>
+                      <a:tailEnd len="sm" w="sm" type="none"/>
+                    </a:lnR>
+                    <a:lnT cap="flat" cmpd="sng" w="12650">
+                      <a:solidFill>
+                        <a:srgbClr val="000000"/>
+                      </a:solidFill>
+                      <a:prstDash val="solid"/>
+                      <a:round/>
+                      <a:headEnd len="sm" w="sm" type="none"/>
+                      <a:tailEnd len="sm" w="sm" type="none"/>
+                    </a:lnT>
+                    <a:lnB cap="flat" cmpd="sng" w="12650">
+                      <a:solidFill>
+                        <a:srgbClr val="000000"/>
+                      </a:solidFill>
+                      <a:prstDash val="solid"/>
+                      <a:round/>
+                      <a:headEnd len="sm" w="sm" type="none"/>
+                      <a:tailEnd len="sm" w="sm" type="none"/>
+                    </a:lnB>
+                    <a:solidFill>
+                      <a:srgbClr val="C9C9C9"/>
+                    </a:solidFill>
+                  </a:tcPr>
+                </a:tc>
+                <a:tc>
+                  <a:txBody>
+                    <a:bodyPr/>
+                    <a:lstStyle/>
+                    <a:p>
+                      <a:pPr indent="0" lvl="0" marL="0" rtl="0" algn="ctr">
+                        <a:lnSpc>
+                          <a:spcPct val="100000"/>
+                        </a:lnSpc>
+                        <a:spcBef>
+                          <a:spcPts val="0"/>
+                        </a:spcBef>
+                        <a:spcAft>
+                          <a:spcPts val="0"/>
+                        </a:spcAft>
+                        <a:buNone/>
+                      </a:pPr>
+                      <a:r>
+                        <a:rPr lang="hr" sz="1200"/>
+                        <a:t>79/100</a:t>
+                      </a:r>
+                      <a:endParaRPr sz="1200"/>
+                    </a:p>
+                  </a:txBody>
+                  <a:tcPr marT="91425" marB="91425" marR="68575" marL="68575">
+                    <a:lnL cap="flat" cmpd="sng" w="12650">
+                      <a:solidFill>
+                        <a:srgbClr val="000000"/>
+                      </a:solidFill>
+                      <a:prstDash val="solid"/>
+                      <a:round/>
+                      <a:headEnd len="sm" w="sm" type="none"/>
+                      <a:tailEnd len="sm" w="sm" type="none"/>
+                    </a:lnL>
+                    <a:lnR cap="flat" cmpd="sng" w="12650">
+                      <a:solidFill>
+                        <a:srgbClr val="000000"/>
+                      </a:solidFill>
+                      <a:prstDash val="solid"/>
+                      <a:round/>
+                      <a:headEnd len="sm" w="sm" type="none"/>
+                      <a:tailEnd len="sm" w="sm" type="none"/>
+                    </a:lnR>
+                    <a:lnT cap="flat" cmpd="sng" w="12650">
+                      <a:solidFill>
+                        <a:srgbClr val="000000"/>
+                      </a:solidFill>
+                      <a:prstDash val="solid"/>
+                      <a:round/>
+                      <a:headEnd len="sm" w="sm" type="none"/>
+                      <a:tailEnd len="sm" w="sm" type="none"/>
+                    </a:lnT>
+                    <a:lnB cap="flat" cmpd="sng" w="12650">
+                      <a:solidFill>
+                        <a:srgbClr val="000000"/>
+                      </a:solidFill>
+                      <a:prstDash val="solid"/>
+                      <a:round/>
+                      <a:headEnd len="sm" w="sm" type="none"/>
+                      <a:tailEnd len="sm" w="sm" type="none"/>
+                    </a:lnB>
+                    <a:solidFill>
+                      <a:srgbClr val="C9C9C9"/>
+                    </a:solidFill>
+                  </a:tcPr>
+                </a:tc>
+                <a:tc>
+                  <a:txBody>
+                    <a:bodyPr/>
+                    <a:lstStyle/>
+                    <a:p>
+                      <a:pPr indent="0" lvl="0" marL="0" rtl="0" algn="ctr">
+                        <a:lnSpc>
+                          <a:spcPct val="100000"/>
+                        </a:lnSpc>
+                        <a:spcBef>
+                          <a:spcPts val="0"/>
+                        </a:spcBef>
+                        <a:spcAft>
+                          <a:spcPts val="0"/>
+                        </a:spcAft>
+                        <a:buNone/>
+                      </a:pPr>
+                      <a:r>
+                        <a:rPr lang="hr" sz="1200"/>
+                        <a:t>59/100</a:t>
+                      </a:r>
+                      <a:endParaRPr sz="1200"/>
+                    </a:p>
+                  </a:txBody>
+                  <a:tcPr marT="91425" marB="91425" marR="68575" marL="68575">
+                    <a:lnL cap="flat" cmpd="sng" w="12650">
+                      <a:solidFill>
+                        <a:srgbClr val="000000"/>
+                      </a:solidFill>
+                      <a:prstDash val="solid"/>
+                      <a:round/>
+                      <a:headEnd len="sm" w="sm" type="none"/>
+                      <a:tailEnd len="sm" w="sm" type="none"/>
+                    </a:lnL>
+                    <a:lnR cap="flat" cmpd="sng" w="12650">
+                      <a:solidFill>
+                        <a:srgbClr val="000000"/>
+                      </a:solidFill>
+                      <a:prstDash val="solid"/>
+                      <a:round/>
+                      <a:headEnd len="sm" w="sm" type="none"/>
+                      <a:tailEnd len="sm" w="sm" type="none"/>
+                    </a:lnR>
+                    <a:lnT cap="flat" cmpd="sng" w="12650">
+                      <a:solidFill>
+                        <a:srgbClr val="000000"/>
+                      </a:solidFill>
+                      <a:prstDash val="solid"/>
+                      <a:round/>
+                      <a:headEnd len="sm" w="sm" type="none"/>
+                      <a:tailEnd len="sm" w="sm" type="none"/>
+                    </a:lnT>
+                    <a:lnB cap="flat" cmpd="sng" w="12650">
+                      <a:solidFill>
+                        <a:srgbClr val="000000"/>
+                      </a:solidFill>
+                      <a:prstDash val="solid"/>
+                      <a:round/>
+                      <a:headEnd len="sm" w="sm" type="none"/>
+                      <a:tailEnd len="sm" w="sm" type="none"/>
+                    </a:lnB>
+                    <a:solidFill>
+                      <a:srgbClr val="C9C9C9"/>
+                    </a:solidFill>
+                  </a:tcPr>
+                </a:tc>
+              </a:tr>
+              <a:tr h="346625">
+                <a:tc vMerge="1"/>
+                <a:tc>
+                  <a:txBody>
+                    <a:bodyPr/>
+                    <a:lstStyle/>
+                    <a:p>
+                      <a:pPr indent="0" lvl="0" marL="0" rtl="0" algn="l">
+                        <a:lnSpc>
+                          <a:spcPct val="100000"/>
+                        </a:lnSpc>
+                        <a:spcBef>
+                          <a:spcPts val="0"/>
+                        </a:spcBef>
+                        <a:spcAft>
+                          <a:spcPts val="0"/>
+                        </a:spcAft>
+                        <a:buNone/>
+                      </a:pPr>
+                      <a:r>
+                        <a:rPr lang="hr" sz="1200"/>
+                        <a:t>pr. vrijeme</a:t>
+                      </a:r>
+                      <a:endParaRPr sz="1200"/>
+                    </a:p>
+                  </a:txBody>
+                  <a:tcPr marT="91425" marB="91425" marR="68575" marL="68575">
+                    <a:lnL cap="flat" cmpd="sng" w="12650">
+                      <a:solidFill>
+                        <a:srgbClr val="000000"/>
+                      </a:solidFill>
+                      <a:prstDash val="solid"/>
+                      <a:round/>
+                      <a:headEnd len="sm" w="sm" type="none"/>
+                      <a:tailEnd len="sm" w="sm" type="none"/>
+                    </a:lnL>
+                    <a:lnR cap="flat" cmpd="sng" w="12650">
+                      <a:solidFill>
+                        <a:srgbClr val="000000"/>
+                      </a:solidFill>
+                      <a:prstDash val="solid"/>
+                      <a:round/>
+                      <a:headEnd len="sm" w="sm" type="none"/>
+                      <a:tailEnd len="sm" w="sm" type="none"/>
+                    </a:lnR>
+                    <a:lnT cap="flat" cmpd="sng" w="12650">
+                      <a:solidFill>
+                        <a:srgbClr val="000000"/>
+                      </a:solidFill>
+                      <a:prstDash val="solid"/>
+                      <a:round/>
+                      <a:headEnd len="sm" w="sm" type="none"/>
+                      <a:tailEnd len="sm" w="sm" type="none"/>
+                    </a:lnT>
+                    <a:lnB cap="flat" cmpd="sng" w="12650">
+                      <a:solidFill>
+                        <a:srgbClr val="000000"/>
+                      </a:solidFill>
+                      <a:prstDash val="solid"/>
+                      <a:round/>
+                      <a:headEnd len="sm" w="sm" type="none"/>
+                      <a:tailEnd len="sm" w="sm" type="none"/>
+                    </a:lnB>
+                    <a:solidFill>
+                      <a:srgbClr val="EDEDED"/>
+                    </a:solidFill>
+                  </a:tcPr>
+                </a:tc>
+                <a:tc>
+                  <a:txBody>
+                    <a:bodyPr/>
+                    <a:lstStyle/>
+                    <a:p>
+                      <a:pPr indent="0" lvl="0" marL="0" rtl="0" algn="ctr">
+                        <a:lnSpc>
+                          <a:spcPct val="100000"/>
+                        </a:lnSpc>
+                        <a:spcBef>
+                          <a:spcPts val="0"/>
+                        </a:spcBef>
+                        <a:spcAft>
+                          <a:spcPts val="0"/>
+                        </a:spcAft>
+                        <a:buNone/>
+                      </a:pPr>
+                      <a:r>
+                        <a:rPr lang="hr" sz="1200"/>
+                        <a:t>3.10s</a:t>
+                      </a:r>
+                      <a:endParaRPr sz="1200"/>
+                    </a:p>
+                  </a:txBody>
+                  <a:tcPr marT="91425" marB="91425" marR="68575" marL="68575">
+                    <a:lnL cap="flat" cmpd="sng" w="12650">
+                      <a:solidFill>
+                        <a:srgbClr val="000000"/>
+                      </a:solidFill>
+                      <a:prstDash val="solid"/>
+                      <a:round/>
+                      <a:headEnd len="sm" w="sm" type="none"/>
+                      <a:tailEnd len="sm" w="sm" type="none"/>
+                    </a:lnL>
+                    <a:lnR cap="flat" cmpd="sng" w="12650">
+                      <a:solidFill>
+                        <a:srgbClr val="000000"/>
+                      </a:solidFill>
+                      <a:prstDash val="solid"/>
+                      <a:round/>
+                      <a:headEnd len="sm" w="sm" type="none"/>
+                      <a:tailEnd len="sm" w="sm" type="none"/>
+                    </a:lnR>
+                    <a:lnT cap="flat" cmpd="sng" w="12650">
+                      <a:solidFill>
+                        <a:srgbClr val="000000"/>
+                      </a:solidFill>
+                      <a:prstDash val="solid"/>
+                      <a:round/>
+                      <a:headEnd len="sm" w="sm" type="none"/>
+                      <a:tailEnd len="sm" w="sm" type="none"/>
+                    </a:lnT>
+                    <a:lnB cap="flat" cmpd="sng" w="12650">
+                      <a:solidFill>
+                        <a:srgbClr val="000000"/>
+                      </a:solidFill>
+                      <a:prstDash val="solid"/>
+                      <a:round/>
+                      <a:headEnd len="sm" w="sm" type="none"/>
+                      <a:tailEnd len="sm" w="sm" type="none"/>
+                    </a:lnB>
+                  </a:tcPr>
+                </a:tc>
+                <a:tc>
+                  <a:txBody>
+                    <a:bodyPr/>
+                    <a:lstStyle/>
+                    <a:p>
+                      <a:pPr indent="0" lvl="0" marL="0" rtl="0" algn="ctr">
+                        <a:lnSpc>
+                          <a:spcPct val="100000"/>
+                        </a:lnSpc>
+                        <a:spcBef>
+                          <a:spcPts val="0"/>
+                        </a:spcBef>
+                        <a:spcAft>
+                          <a:spcPts val="0"/>
+                        </a:spcAft>
+                        <a:buNone/>
+                      </a:pPr>
+                      <a:r>
+                        <a:rPr lang="hr" sz="1200"/>
+                        <a:t>5.37s</a:t>
+                      </a:r>
+                      <a:endParaRPr sz="1200"/>
+                    </a:p>
+                  </a:txBody>
+                  <a:tcPr marT="91425" marB="91425" marR="68575" marL="68575">
+                    <a:lnL cap="flat" cmpd="sng" w="12650">
+                      <a:solidFill>
+                        <a:srgbClr val="000000"/>
+                      </a:solidFill>
+                      <a:prstDash val="solid"/>
+                      <a:round/>
+                      <a:headEnd len="sm" w="sm" type="none"/>
+                      <a:tailEnd len="sm" w="sm" type="none"/>
+                    </a:lnL>
+                    <a:lnR cap="flat" cmpd="sng" w="12650">
+                      <a:solidFill>
+                        <a:srgbClr val="000000"/>
+                      </a:solidFill>
+                      <a:prstDash val="solid"/>
+                      <a:round/>
+                      <a:headEnd len="sm" w="sm" type="none"/>
+                      <a:tailEnd len="sm" w="sm" type="none"/>
+                    </a:lnR>
+                    <a:lnT cap="flat" cmpd="sng" w="12650">
+                      <a:solidFill>
+                        <a:srgbClr val="000000"/>
+                      </a:solidFill>
+                      <a:prstDash val="solid"/>
+                      <a:round/>
+                      <a:headEnd len="sm" w="sm" type="none"/>
+                      <a:tailEnd len="sm" w="sm" type="none"/>
+                    </a:lnT>
+                    <a:lnB cap="flat" cmpd="sng" w="12650">
+                      <a:solidFill>
+                        <a:srgbClr val="000000"/>
+                      </a:solidFill>
+                      <a:prstDash val="solid"/>
+                      <a:round/>
+                      <a:headEnd len="sm" w="sm" type="none"/>
+                      <a:tailEnd len="sm" w="sm" type="none"/>
+                    </a:lnB>
+                  </a:tcPr>
+                </a:tc>
+                <a:tc>
+                  <a:txBody>
+                    <a:bodyPr/>
+                    <a:lstStyle/>
+                    <a:p>
+                      <a:pPr indent="0" lvl="0" marL="0" rtl="0" algn="ctr">
+                        <a:lnSpc>
+                          <a:spcPct val="100000"/>
+                        </a:lnSpc>
+                        <a:spcBef>
+                          <a:spcPts val="0"/>
+                        </a:spcBef>
+                        <a:spcAft>
+                          <a:spcPts val="0"/>
+                        </a:spcAft>
+                        <a:buNone/>
+                      </a:pPr>
+                      <a:r>
+                        <a:rPr lang="hr" sz="1200"/>
+                        <a:t>12.83s</a:t>
+                      </a:r>
+                      <a:endParaRPr sz="1200"/>
+                    </a:p>
+                  </a:txBody>
+                  <a:tcPr marT="91425" marB="91425" marR="68575" marL="68575">
+                    <a:lnL cap="flat" cmpd="sng" w="12650">
+                      <a:solidFill>
+                        <a:srgbClr val="000000"/>
+                      </a:solidFill>
+                      <a:prstDash val="solid"/>
+                      <a:round/>
+                      <a:headEnd len="sm" w="sm" type="none"/>
+                      <a:tailEnd len="sm" w="sm" type="none"/>
+                    </a:lnL>
+                    <a:lnR cap="flat" cmpd="sng" w="12650">
+                      <a:solidFill>
+                        <a:srgbClr val="000000"/>
+                      </a:solidFill>
+                      <a:prstDash val="solid"/>
+                      <a:round/>
+                      <a:headEnd len="sm" w="sm" type="none"/>
+                      <a:tailEnd len="sm" w="sm" type="none"/>
+                    </a:lnR>
+                    <a:lnT cap="flat" cmpd="sng" w="12650">
+                      <a:solidFill>
+                        <a:srgbClr val="000000"/>
+                      </a:solidFill>
+                      <a:prstDash val="solid"/>
+                      <a:round/>
+                      <a:headEnd len="sm" w="sm" type="none"/>
+                      <a:tailEnd len="sm" w="sm" type="none"/>
+                    </a:lnT>
+                    <a:lnB cap="flat" cmpd="sng" w="12650">
+                      <a:solidFill>
+                        <a:srgbClr val="000000"/>
+                      </a:solidFill>
+                      <a:prstDash val="solid"/>
+                      <a:round/>
+                      <a:headEnd len="sm" w="sm" type="none"/>
+                      <a:tailEnd len="sm" w="sm" type="none"/>
+                    </a:lnB>
+                  </a:tcPr>
+                </a:tc>
+                <a:tc>
+                  <a:txBody>
+                    <a:bodyPr/>
+                    <a:lstStyle/>
+                    <a:p>
+                      <a:pPr indent="0" lvl="0" marL="0" rtl="0" algn="ctr">
+                        <a:lnSpc>
+                          <a:spcPct val="100000"/>
+                        </a:lnSpc>
+                        <a:spcBef>
+                          <a:spcPts val="0"/>
+                        </a:spcBef>
+                        <a:spcAft>
+                          <a:spcPts val="0"/>
+                        </a:spcAft>
+                        <a:buNone/>
+                      </a:pPr>
+                      <a:r>
+                        <a:rPr lang="hr" sz="1200"/>
+                        <a:t>25.95s</a:t>
+                      </a:r>
+                      <a:endParaRPr sz="1200"/>
+                    </a:p>
+                  </a:txBody>
+                  <a:tcPr marT="91425" marB="91425" marR="68575" marL="68575">
+                    <a:lnL cap="flat" cmpd="sng" w="12650">
+                      <a:solidFill>
+                        <a:srgbClr val="000000"/>
+                      </a:solidFill>
+                      <a:prstDash val="solid"/>
+                      <a:round/>
+                      <a:headEnd len="sm" w="sm" type="none"/>
+                      <a:tailEnd len="sm" w="sm" type="none"/>
+                    </a:lnL>
+                    <a:lnR cap="flat" cmpd="sng" w="12650">
+                      <a:solidFill>
+                        <a:srgbClr val="000000"/>
+                      </a:solidFill>
+                      <a:prstDash val="solid"/>
+                      <a:round/>
+                      <a:headEnd len="sm" w="sm" type="none"/>
+                      <a:tailEnd len="sm" w="sm" type="none"/>
+                    </a:lnR>
+                    <a:lnT cap="flat" cmpd="sng" w="12650">
+                      <a:solidFill>
+                        <a:srgbClr val="000000"/>
+                      </a:solidFill>
+                      <a:prstDash val="solid"/>
+                      <a:round/>
+                      <a:headEnd len="sm" w="sm" type="none"/>
+                      <a:tailEnd len="sm" w="sm" type="none"/>
+                    </a:lnT>
+                    <a:lnB cap="flat" cmpd="sng" w="12650">
+                      <a:solidFill>
+                        <a:srgbClr val="000000"/>
+                      </a:solidFill>
+                      <a:prstDash val="solid"/>
+                      <a:round/>
+                      <a:headEnd len="sm" w="sm" type="none"/>
+                      <a:tailEnd len="sm" w="sm" type="none"/>
+                    </a:lnB>
+                  </a:tcPr>
+                </a:tc>
+              </a:tr>
+              <a:tr h="346625">
+                <a:tc vMerge="1"/>
+                <a:tc>
+                  <a:txBody>
+                    <a:bodyPr/>
+                    <a:lstStyle/>
+                    <a:p>
+                      <a:pPr indent="0" lvl="0" marL="0" rtl="0" algn="l">
+                        <a:lnSpc>
+                          <a:spcPct val="100000"/>
+                        </a:lnSpc>
+                        <a:spcBef>
+                          <a:spcPts val="0"/>
+                        </a:spcBef>
+                        <a:spcAft>
+                          <a:spcPts val="0"/>
+                        </a:spcAft>
+                        <a:buNone/>
+                      </a:pPr>
+                      <a:r>
+                        <a:rPr lang="hr" sz="1200"/>
+                        <a:t>st. dev.</a:t>
+                      </a:r>
+                      <a:endParaRPr sz="1200"/>
+                    </a:p>
+                  </a:txBody>
+                  <a:tcPr marT="91425" marB="91425" marR="68575" marL="68575">
+                    <a:lnL cap="flat" cmpd="sng" w="12650">
+                      <a:solidFill>
+                        <a:srgbClr val="000000"/>
+                      </a:solidFill>
+                      <a:prstDash val="solid"/>
+                      <a:round/>
+                      <a:headEnd len="sm" w="sm" type="none"/>
+                      <a:tailEnd len="sm" w="sm" type="none"/>
+                    </a:lnL>
+                    <a:lnR cap="flat" cmpd="sng" w="12650">
+                      <a:solidFill>
+                        <a:srgbClr val="000000"/>
+                      </a:solidFill>
+                      <a:prstDash val="solid"/>
+                      <a:round/>
+                      <a:headEnd len="sm" w="sm" type="none"/>
+                      <a:tailEnd len="sm" w="sm" type="none"/>
+                    </a:lnR>
+                    <a:lnT cap="flat" cmpd="sng" w="12650">
+                      <a:solidFill>
+                        <a:srgbClr val="000000"/>
+                      </a:solidFill>
+                      <a:prstDash val="solid"/>
+                      <a:round/>
+                      <a:headEnd len="sm" w="sm" type="none"/>
+                      <a:tailEnd len="sm" w="sm" type="none"/>
+                    </a:lnT>
+                    <a:lnB cap="flat" cmpd="sng" w="12650">
+                      <a:solidFill>
+                        <a:srgbClr val="000000"/>
+                      </a:solidFill>
+                      <a:prstDash val="solid"/>
+                      <a:round/>
+                      <a:headEnd len="sm" w="sm" type="none"/>
+                      <a:tailEnd len="sm" w="sm" type="none"/>
+                    </a:lnB>
+                    <a:solidFill>
+                      <a:srgbClr val="EDEDED"/>
+                    </a:solidFill>
+                  </a:tcPr>
+                </a:tc>
+                <a:tc>
+                  <a:txBody>
+                    <a:bodyPr/>
+                    <a:lstStyle/>
+                    <a:p>
+                      <a:pPr indent="0" lvl="0" marL="0" rtl="0" algn="ctr">
+                        <a:lnSpc>
+                          <a:spcPct val="100000"/>
+                        </a:lnSpc>
+                        <a:spcBef>
+                          <a:spcPts val="0"/>
+                        </a:spcBef>
+                        <a:spcAft>
+                          <a:spcPts val="0"/>
+                        </a:spcAft>
+                        <a:buNone/>
+                      </a:pPr>
+                      <a:r>
+                        <a:rPr lang="hr" sz="1200"/>
+                        <a:t>2.2897</a:t>
+                      </a:r>
+                      <a:endParaRPr sz="1200"/>
+                    </a:p>
+                  </a:txBody>
+                  <a:tcPr marT="91425" marB="91425" marR="68575" marL="68575">
+                    <a:lnL cap="flat" cmpd="sng" w="12650">
+                      <a:solidFill>
+                        <a:srgbClr val="000000"/>
+                      </a:solidFill>
+                      <a:prstDash val="solid"/>
+                      <a:round/>
+                      <a:headEnd len="sm" w="sm" type="none"/>
+                      <a:tailEnd len="sm" w="sm" type="none"/>
+                    </a:lnL>
+                    <a:lnR cap="flat" cmpd="sng" w="12650">
+                      <a:solidFill>
+                        <a:srgbClr val="000000"/>
+                      </a:solidFill>
+                      <a:prstDash val="solid"/>
+                      <a:round/>
+                      <a:headEnd len="sm" w="sm" type="none"/>
+                      <a:tailEnd len="sm" w="sm" type="none"/>
+                    </a:lnR>
+                    <a:lnT cap="flat" cmpd="sng" w="12650">
+                      <a:solidFill>
+                        <a:srgbClr val="000000"/>
+                      </a:solidFill>
+                      <a:prstDash val="solid"/>
+                      <a:round/>
+                      <a:headEnd len="sm" w="sm" type="none"/>
+                      <a:tailEnd len="sm" w="sm" type="none"/>
+                    </a:lnT>
+                    <a:lnB cap="flat" cmpd="sng" w="12650">
+                      <a:solidFill>
+                        <a:srgbClr val="000000"/>
+                      </a:solidFill>
+                      <a:prstDash val="solid"/>
+                      <a:round/>
+                      <a:headEnd len="sm" w="sm" type="none"/>
+                      <a:tailEnd len="sm" w="sm" type="none"/>
+                    </a:lnB>
+                  </a:tcPr>
+                </a:tc>
+                <a:tc>
+                  <a:txBody>
+                    <a:bodyPr/>
+                    <a:lstStyle/>
+                    <a:p>
+                      <a:pPr indent="0" lvl="0" marL="0" rtl="0" algn="ctr">
+                        <a:lnSpc>
+                          <a:spcPct val="100000"/>
+                        </a:lnSpc>
+                        <a:spcBef>
+                          <a:spcPts val="0"/>
+                        </a:spcBef>
+                        <a:spcAft>
+                          <a:spcPts val="0"/>
+                        </a:spcAft>
+                        <a:buNone/>
+                      </a:pPr>
+                      <a:r>
+                        <a:rPr lang="hr" sz="1200"/>
+                        <a:t>2.1890</a:t>
+                      </a:r>
+                      <a:endParaRPr sz="1200"/>
+                    </a:p>
+                  </a:txBody>
+                  <a:tcPr marT="91425" marB="91425" marR="68575" marL="68575">
+                    <a:lnL cap="flat" cmpd="sng" w="12650">
+                      <a:solidFill>
+                        <a:srgbClr val="000000"/>
+                      </a:solidFill>
+                      <a:prstDash val="solid"/>
+                      <a:round/>
+                      <a:headEnd len="sm" w="sm" type="none"/>
+                      <a:tailEnd len="sm" w="sm" type="none"/>
+                    </a:lnL>
+                    <a:lnR cap="flat" cmpd="sng" w="12650">
+                      <a:solidFill>
+                        <a:srgbClr val="000000"/>
+                      </a:solidFill>
+                      <a:prstDash val="solid"/>
+                      <a:round/>
+                      <a:headEnd len="sm" w="sm" type="none"/>
+                      <a:tailEnd len="sm" w="sm" type="none"/>
+                    </a:lnR>
+                    <a:lnT cap="flat" cmpd="sng" w="12650">
+                      <a:solidFill>
+                        <a:srgbClr val="000000"/>
+                      </a:solidFill>
+                      <a:prstDash val="solid"/>
+                      <a:round/>
+                      <a:headEnd len="sm" w="sm" type="none"/>
+                      <a:tailEnd len="sm" w="sm" type="none"/>
+                    </a:lnT>
+                    <a:lnB cap="flat" cmpd="sng" w="12650">
+                      <a:solidFill>
+                        <a:srgbClr val="000000"/>
+                      </a:solidFill>
+                      <a:prstDash val="solid"/>
+                      <a:round/>
+                      <a:headEnd len="sm" w="sm" type="none"/>
+                      <a:tailEnd len="sm" w="sm" type="none"/>
+                    </a:lnB>
+                  </a:tcPr>
+                </a:tc>
+                <a:tc>
+                  <a:txBody>
+                    <a:bodyPr/>
+                    <a:lstStyle/>
+                    <a:p>
+                      <a:pPr indent="0" lvl="0" marL="0" rtl="0" algn="ctr">
+                        <a:lnSpc>
+                          <a:spcPct val="100000"/>
+                        </a:lnSpc>
+                        <a:spcBef>
+                          <a:spcPts val="0"/>
+                        </a:spcBef>
+                        <a:spcAft>
+                          <a:spcPts val="0"/>
+                        </a:spcAft>
+                        <a:buNone/>
+                      </a:pPr>
+                      <a:r>
+                        <a:rPr lang="hr" sz="1200"/>
+                        <a:t>3.0395</a:t>
+                      </a:r>
+                      <a:endParaRPr sz="1200"/>
+                    </a:p>
+                  </a:txBody>
+                  <a:tcPr marT="91425" marB="91425" marR="68575" marL="68575">
+                    <a:lnL cap="flat" cmpd="sng" w="12650">
+                      <a:solidFill>
+                        <a:srgbClr val="000000"/>
+                      </a:solidFill>
+                      <a:prstDash val="solid"/>
+                      <a:round/>
+                      <a:headEnd len="sm" w="sm" type="none"/>
+                      <a:tailEnd len="sm" w="sm" type="none"/>
+                    </a:lnL>
+                    <a:lnR cap="flat" cmpd="sng" w="12650">
+                      <a:solidFill>
+                        <a:srgbClr val="000000"/>
+                      </a:solidFill>
+                      <a:prstDash val="solid"/>
+                      <a:round/>
+                      <a:headEnd len="sm" w="sm" type="none"/>
+                      <a:tailEnd len="sm" w="sm" type="none"/>
+                    </a:lnR>
+                    <a:lnT cap="flat" cmpd="sng" w="12650">
+                      <a:solidFill>
+                        <a:srgbClr val="000000"/>
+                      </a:solidFill>
+                      <a:prstDash val="solid"/>
+                      <a:round/>
+                      <a:headEnd len="sm" w="sm" type="none"/>
+                      <a:tailEnd len="sm" w="sm" type="none"/>
+                    </a:lnT>
+                    <a:lnB cap="flat" cmpd="sng" w="12650">
+                      <a:solidFill>
+                        <a:srgbClr val="000000"/>
+                      </a:solidFill>
+                      <a:prstDash val="solid"/>
+                      <a:round/>
+                      <a:headEnd len="sm" w="sm" type="none"/>
+                      <a:tailEnd len="sm" w="sm" type="none"/>
+                    </a:lnB>
+                  </a:tcPr>
+                </a:tc>
+                <a:tc>
+                  <a:txBody>
+                    <a:bodyPr/>
+                    <a:lstStyle/>
+                    <a:p>
+                      <a:pPr indent="0" lvl="0" marL="0" rtl="0" algn="ctr">
+                        <a:lnSpc>
+                          <a:spcPct val="100000"/>
+                        </a:lnSpc>
+                        <a:spcBef>
+                          <a:spcPts val="0"/>
+                        </a:spcBef>
+                        <a:spcAft>
+                          <a:spcPts val="0"/>
+                        </a:spcAft>
+                        <a:buNone/>
+                      </a:pPr>
+                      <a:r>
+                        <a:rPr lang="hr" sz="1200"/>
+                        <a:t>4.9754</a:t>
+                      </a:r>
+                      <a:endParaRPr sz="1200"/>
+                    </a:p>
+                  </a:txBody>
+                  <a:tcPr marT="91425" marB="91425" marR="68575" marL="68575">
+                    <a:lnL cap="flat" cmpd="sng" w="12650">
+                      <a:solidFill>
+                        <a:srgbClr val="000000"/>
+                      </a:solidFill>
+                      <a:prstDash val="solid"/>
+                      <a:round/>
+                      <a:headEnd len="sm" w="sm" type="none"/>
+                      <a:tailEnd len="sm" w="sm" type="none"/>
+                    </a:lnL>
+                    <a:lnR cap="flat" cmpd="sng" w="12650">
+                      <a:solidFill>
+                        <a:srgbClr val="000000"/>
+                      </a:solidFill>
+                      <a:prstDash val="solid"/>
+                      <a:round/>
+                      <a:headEnd len="sm" w="sm" type="none"/>
+                      <a:tailEnd len="sm" w="sm" type="none"/>
+                    </a:lnR>
+                    <a:lnT cap="flat" cmpd="sng" w="12650">
+                      <a:solidFill>
+                        <a:srgbClr val="000000"/>
+                      </a:solidFill>
+                      <a:prstDash val="solid"/>
+                      <a:round/>
+                      <a:headEnd len="sm" w="sm" type="none"/>
+                      <a:tailEnd len="sm" w="sm" type="none"/>
+                    </a:lnT>
+                    <a:lnB cap="flat" cmpd="sng" w="12650">
+                      <a:solidFill>
+                        <a:srgbClr val="000000"/>
+                      </a:solidFill>
+                      <a:prstDash val="solid"/>
+                      <a:round/>
+                      <a:headEnd len="sm" w="sm" type="none"/>
+                      <a:tailEnd len="sm" w="sm" type="none"/>
+                    </a:lnB>
+                  </a:tcPr>
+                </a:tc>
+              </a:tr>
+            </a:tbl>
+          </a:graphicData>
+        </a:graphic>
+      </p:graphicFrame>
     </p:spTree>
   </p:cSld>
   <p:clrMapOvr>
@@ -8712,20 +12342,20 @@
         </p:nvSpPr>
         <p:spPr>
           <a:xfrm>
-            <a:off x="311700" y="2150850"/>
-            <a:ext cx="8520600" cy="841800"/>
+            <a:off x="311700" y="445025"/>
+            <a:ext cx="8520600" cy="572700"/>
           </a:xfrm>
           <a:prstGeom prst="rect">
             <a:avLst/>
           </a:prstGeom>
         </p:spPr>
         <p:txBody>
-          <a:bodyPr anchorCtr="0" anchor="ctr" bIns="91425" lIns="91425" spcFirstLastPara="1" rIns="91425" wrap="square" tIns="91425">
+          <a:bodyPr anchorCtr="0" anchor="t" bIns="91425" lIns="91425" spcFirstLastPara="1" rIns="91425" wrap="square" tIns="91425">
             <a:noAutofit/>
           </a:bodyPr>
           <a:lstStyle/>
           <a:p>
-            <a:pPr indent="0" lvl="0" marL="0" rtl="0" algn="ctr">
+            <a:pPr indent="0" lvl="0" marL="0" rtl="0" algn="l">
               <a:spcBef>
                 <a:spcPts val="0"/>
               </a:spcBef>
@@ -8736,7 +12366,135 @@
             </a:pPr>
             <a:r>
               <a:rPr lang="hr"/>
-              <a:t>Pitanja</a:t>
+              <a:t>Zaključak</a:t>
+            </a:r>
+            <a:endParaRPr/>
+          </a:p>
+        </p:txBody>
+      </p:sp>
+      <p:sp>
+        <p:nvSpPr>
+          <p:cNvPr id="164" name="Google Shape;164;p30"/>
+          <p:cNvSpPr txBox="1"/>
+          <p:nvPr>
+            <p:ph idx="1" type="body"/>
+          </p:nvPr>
+        </p:nvSpPr>
+        <p:spPr>
+          <a:xfrm>
+            <a:off x="311700" y="1152475"/>
+            <a:ext cx="8520600" cy="3416400"/>
+          </a:xfrm>
+          <a:prstGeom prst="rect">
+            <a:avLst/>
+          </a:prstGeom>
+        </p:spPr>
+        <p:txBody>
+          <a:bodyPr anchorCtr="0" anchor="t" bIns="91425" lIns="91425" spcFirstLastPara="1" rIns="91425" wrap="square" tIns="91425">
+            <a:noAutofit/>
+          </a:bodyPr>
+          <a:lstStyle/>
+          <a:p>
+            <a:pPr indent="0" lvl="0" marL="0" rtl="0" algn="l">
+              <a:spcBef>
+                <a:spcPts val="0"/>
+              </a:spcBef>
+              <a:spcAft>
+                <a:spcPts val="0"/>
+              </a:spcAft>
+              <a:buNone/>
+            </a:pPr>
+            <a:r>
+              <a:rPr lang="hr"/>
+              <a:t>Prednosti</a:t>
+            </a:r>
+            <a:endParaRPr/>
+          </a:p>
+          <a:p>
+            <a:pPr indent="-342900" lvl="0" marL="457200" rtl="0" algn="l">
+              <a:spcBef>
+                <a:spcPts val="1600"/>
+              </a:spcBef>
+              <a:spcAft>
+                <a:spcPts val="0"/>
+              </a:spcAft>
+              <a:buSzPts val="1800"/>
+              <a:buChar char="-"/>
+            </a:pPr>
+            <a:r>
+              <a:rPr lang="hr"/>
+              <a:t>Tretiramo okolinu kao </a:t>
+            </a:r>
+            <a:r>
+              <a:rPr i="1" lang="hr"/>
+              <a:t>“Black Box”</a:t>
+            </a:r>
+            <a:endParaRPr/>
+          </a:p>
+          <a:p>
+            <a:pPr indent="-342900" lvl="0" marL="457200" rtl="0" algn="l">
+              <a:spcBef>
+                <a:spcPts val="0"/>
+              </a:spcBef>
+              <a:spcAft>
+                <a:spcPts val="0"/>
+              </a:spcAft>
+              <a:buSzPts val="1800"/>
+              <a:buChar char="-"/>
+            </a:pPr>
+            <a:r>
+              <a:rPr lang="hr"/>
+              <a:t>Pronalazi rješenja do kojih nije moguće doći analitički</a:t>
+            </a:r>
+            <a:endParaRPr/>
+          </a:p>
+          <a:p>
+            <a:pPr indent="0" lvl="0" marL="0" rtl="0" algn="l">
+              <a:spcBef>
+                <a:spcPts val="1600"/>
+              </a:spcBef>
+              <a:spcAft>
+                <a:spcPts val="0"/>
+              </a:spcAft>
+              <a:buNone/>
+            </a:pPr>
+            <a:r>
+              <a:rPr lang="hr"/>
+              <a:t>Nedostatci</a:t>
+            </a:r>
+            <a:endParaRPr/>
+          </a:p>
+          <a:p>
+            <a:pPr indent="-342900" lvl="0" marL="457200" rtl="0" algn="l">
+              <a:spcBef>
+                <a:spcPts val="1600"/>
+              </a:spcBef>
+              <a:spcAft>
+                <a:spcPts val="0"/>
+              </a:spcAft>
+              <a:buSzPts val="1800"/>
+              <a:buChar char="-"/>
+            </a:pPr>
+            <a:r>
+              <a:rPr lang="hr"/>
+              <a:t>Oblikovanje funkcije nagrade je teško</a:t>
+            </a:r>
+            <a:endParaRPr/>
+          </a:p>
+          <a:p>
+            <a:pPr indent="-342900" lvl="0" marL="457200" rtl="0" algn="l">
+              <a:spcBef>
+                <a:spcPts val="0"/>
+              </a:spcBef>
+              <a:spcAft>
+                <a:spcPts val="0"/>
+              </a:spcAft>
+              <a:buSzPts val="1800"/>
+              <a:buChar char="-"/>
+            </a:pPr>
+            <a:r>
+              <a:rPr lang="hr"/>
+              <a:t>Rubni slučajevi</a:t>
             </a:r>
             <a:endParaRPr/>
           </a:p>
@@ -8755,7 +12513,7 @@
   <p:cSld>
     <p:spTree>
       <p:nvGrpSpPr>
-        <p:cNvPr id="167" name="Shape 167"/>
+        <p:cNvPr id="168" name="Shape 168"/>
         <p:cNvGrpSpPr/>
         <p:nvPr/>
       </p:nvGrpSpPr>
@@ -8769,7 +12527,7 @@
       </p:grpSpPr>
       <p:sp>
         <p:nvSpPr>
-          <p:cNvPr id="168" name="Google Shape;168;p31"/>
+          <p:cNvPr id="169" name="Google Shape;169;p31"/>
           <p:cNvSpPr txBox="1"/>
           <p:nvPr>
             <p:ph type="title"/>
@@ -8801,7 +12559,7 @@
             </a:pPr>
             <a:r>
               <a:rPr lang="hr"/>
-              <a:t>Hvala na pažnji</a:t>
+              <a:t>Pitanja</a:t>
             </a:r>
             <a:endParaRPr/>
           </a:p>
@@ -8955,6 +12713,71 @@
             <a:r>
               <a:rPr lang="hr"/>
               <a:t>Pregled rezultata</a:t>
+            </a:r>
+            <a:endParaRPr/>
+          </a:p>
+        </p:txBody>
+      </p:sp>
+    </p:spTree>
+  </p:cSld>
+  <p:clrMapOvr>
+    <a:masterClrMapping/>
+  </p:clrMapOvr>
+</p:sld>
+</file>
+
+<file path=ppt/slides/slide20.xml><?xml version="1.0" encoding="utf-8"?>
+<p:sld xmlns:a="http://schemas.openxmlformats.org/drawingml/2006/main" xmlns:r="http://schemas.openxmlformats.org/officeDocument/2006/relationships" xmlns:mc="http://schemas.openxmlformats.org/markup-compatibility/2006" xmlns:mv="urn:schemas-microsoft-com:mac:vml" xmlns:p="http://schemas.openxmlformats.org/presentationml/2006/main" xmlns:c="http://schemas.openxmlformats.org/drawingml/2006/chart" xmlns:dgm="http://schemas.openxmlformats.org/drawingml/2006/diagram" xmlns:o="urn:schemas-microsoft-com:office:office" xmlns:v="urn:schemas-microsoft-com:vml" xmlns:pvml="urn:schemas-microsoft-com:office:powerpoint" xmlns:com="http://schemas.openxmlformats.org/drawingml/2006/compatibility" xmlns:p14="http://schemas.microsoft.com/office/powerpoint/2010/main" xmlns:p15="http://schemas.microsoft.com/office/powerpoint/2012/main">
+  <p:cSld>
+    <p:spTree>
+      <p:nvGrpSpPr>
+        <p:cNvPr id="173" name="Shape 173"/>
+        <p:cNvGrpSpPr/>
+        <p:nvPr/>
+      </p:nvGrpSpPr>
+      <p:grpSpPr>
+        <a:xfrm>
+          <a:off x="0" y="0"/>
+          <a:ext cx="0" cy="0"/>
+          <a:chOff x="0" y="0"/>
+          <a:chExt cx="0" cy="0"/>
+        </a:xfrm>
+      </p:grpSpPr>
+      <p:sp>
+        <p:nvSpPr>
+          <p:cNvPr id="174" name="Google Shape;174;p32"/>
+          <p:cNvSpPr txBox="1"/>
+          <p:nvPr>
+            <p:ph type="title"/>
+          </p:nvPr>
+        </p:nvSpPr>
+        <p:spPr>
+          <a:xfrm>
+            <a:off x="311700" y="2150850"/>
+            <a:ext cx="8520600" cy="841800"/>
+          </a:xfrm>
+          <a:prstGeom prst="rect">
+            <a:avLst/>
+          </a:prstGeom>
+        </p:spPr>
+        <p:txBody>
+          <a:bodyPr anchorCtr="0" anchor="ctr" bIns="91425" lIns="91425" spcFirstLastPara="1" rIns="91425" wrap="square" tIns="91425">
+            <a:noAutofit/>
+          </a:bodyPr>
+          <a:lstStyle/>
+          <a:p>
+            <a:pPr indent="0" lvl="0" marL="0" rtl="0" algn="ctr">
+              <a:spcBef>
+                <a:spcPts val="0"/>
+              </a:spcBef>
+              <a:spcAft>
+                <a:spcPts val="0"/>
+              </a:spcAft>
+              <a:buNone/>
+            </a:pPr>
+            <a:r>
+              <a:rPr lang="hr"/>
+              <a:t>Hvala na pažnji</a:t>
             </a:r>
             <a:endParaRPr/>
           </a:p>
@@ -9858,7 +13681,7 @@
             </a:pPr>
             <a:r>
               <a:rPr lang="hr"/>
-              <a:t>Implementacija - Okolina</a:t>
+              <a:t>Model okoline</a:t>
             </a:r>
             <a:endParaRPr/>
           </a:p>
@@ -9951,7 +13774,7 @@
             </a:pPr>
             <a:r>
               <a:rPr lang="hr"/>
-              <a:t>Implementacija - Okolina</a:t>
+              <a:t>Model okoline</a:t>
             </a:r>
             <a:endParaRPr/>
           </a:p>
